--- a/MEMORIA PARCIAL/PPT/version_2.0.pptx
+++ b/MEMORIA PARCIAL/PPT/version_2.0.pptx
@@ -125,7 +125,17 @@
 
 <file path=ppt/charts/chart1.xml><?xml version="1.0" encoding="utf-8"?>
 <c:chartSpace xmlns:c="http://schemas.openxmlformats.org/drawingml/2006/chart" xmlns:a="http://schemas.openxmlformats.org/drawingml/2006/main" xmlns:r="http://schemas.openxmlformats.org/officeDocument/2006/relationships">
+  <c:date1904 val="0"/>
   <c:lang val="es-PE"/>
+  <c:roundedCorners val="0"/>
+  <mc:AlternateContent xmlns:mc="http://schemas.openxmlformats.org/markup-compatibility/2006">
+    <mc:Choice xmlns:c14="http://schemas.microsoft.com/office/drawing/2007/8/2/chart" Requires="c14">
+      <c14:style val="102"/>
+    </mc:Choice>
+    <mc:Fallback>
+      <c:style val="2"/>
+    </mc:Fallback>
+  </mc:AlternateContent>
   <c:chart>
     <c:title>
       <c:tx>
@@ -164,7 +174,9 @@
           <c:y val="7.786391789801142E-2"/>
         </c:manualLayout>
       </c:layout>
+      <c:overlay val="0"/>
     </c:title>
+    <c:autoTitleDeleted val="0"/>
     <c:plotArea>
       <c:layout/>
       <c:pieChart>
@@ -185,6 +197,7 @@
           </c:tx>
           <c:dPt>
             <c:idx val="0"/>
+            <c:bubble3D val="0"/>
             <c:spPr>
               <a:solidFill>
                 <a:srgbClr val="92D050"/>
@@ -193,6 +206,7 @@
           </c:dPt>
           <c:dPt>
             <c:idx val="1"/>
+            <c:bubble3D val="0"/>
             <c:spPr>
               <a:solidFill>
                 <a:schemeClr val="accent5">
@@ -210,9 +224,19 @@
                   <c:y val="-0.19636533440728823"/>
                 </c:manualLayout>
               </c:layout>
+              <c:showLegendKey val="0"/>
+              <c:showVal val="0"/>
+              <c:showCatName val="0"/>
+              <c:showSerName val="0"/>
               <c:showPercent val="1"/>
+              <c:showBubbleSize val="0"/>
             </c:dLbl>
+            <c:showLegendKey val="0"/>
+            <c:showVal val="0"/>
+            <c:showCatName val="0"/>
+            <c:showSerName val="0"/>
             <c:showPercent val="1"/>
+            <c:showBubbleSize val="0"/>
             <c:showLeaderLines val="1"/>
           </c:dLbls>
           <c:cat>
@@ -246,7 +270,13 @@
           </c:val>
         </c:ser>
         <c:dLbls>
+          <c:showLegendKey val="0"/>
+          <c:showVal val="0"/>
+          <c:showCatName val="0"/>
+          <c:showSerName val="0"/>
           <c:showPercent val="1"/>
+          <c:showBubbleSize val="0"/>
+          <c:showLeaderLines val="1"/>
         </c:dLbls>
         <c:firstSliceAng val="0"/>
       </c:pieChart>
@@ -254,6 +284,7 @@
     <c:legend>
       <c:legendPos val="r"/>
       <c:layout/>
+      <c:overlay val="0"/>
       <c:txPr>
         <a:bodyPr/>
         <a:lstStyle/>
@@ -269,6 +300,7 @@
     </c:legend>
     <c:plotVisOnly val="1"/>
     <c:dispBlanksAs val="zero"/>
+    <c:showDLblsOverMax val="0"/>
   </c:chart>
   <c:txPr>
     <a:bodyPr/>
@@ -280,7 +312,9 @@
       <a:endParaRPr lang="es-PE"/>
     </a:p>
   </c:txPr>
-  <c:externalData r:id="rId1"/>
+  <c:externalData r:id="rId1">
+    <c:autoUpdate val="0"/>
+  </c:externalData>
 </c:chartSpace>
 </file>
 
@@ -3472,19 +3506,15 @@
           </a:r>
           <a:r>
             <a:rPr lang="en-US" dirty="0" smtClean="0"/>
-            <a:t> de </a:t>
+            <a:t> </a:t>
+          </a:r>
+          <a:r>
+            <a:rPr lang="en-US" dirty="0" smtClean="0"/>
+            <a:t>de </a:t>
           </a:r>
           <a:r>
             <a:rPr lang="en-US" dirty="0" err="1" smtClean="0"/>
-            <a:t>Impacto</a:t>
-          </a:r>
-          <a:r>
-            <a:rPr lang="en-US" dirty="0" smtClean="0"/>
-            <a:t> </a:t>
-          </a:r>
-          <a:r>
-            <a:rPr lang="en-US" dirty="0" err="1" smtClean="0"/>
-            <a:t>Ambiental</a:t>
+            <a:t>Logística</a:t>
           </a:r>
           <a:endParaRPr lang="es-PE" dirty="0"/>
         </a:p>
@@ -4071,22 +4101,22 @@
     </dgm:pt>
   </dgm:ptLst>
   <dgm:cxnLst>
+    <dgm:cxn modelId="{FC6E6CA2-7179-4A48-8688-01CAD70C7430}" srcId="{BF60C6F2-8906-4CC1-8829-B05008E1ACBA}" destId="{8F21B665-C150-4346-9B72-5EEB7F6360AA}" srcOrd="1" destOrd="0" parTransId="{E4FB1C6E-33B1-43C9-90C2-434288E9E2CB}" sibTransId="{0850B2A6-27A7-4973-8282-41659557554E}"/>
+    <dgm:cxn modelId="{D793F652-73A0-4CA3-8567-0F72B6A4B13C}" srcId="{BF60C6F2-8906-4CC1-8829-B05008E1ACBA}" destId="{564D9206-ECD9-43BB-B428-2D6CC6691A5F}" srcOrd="4" destOrd="0" parTransId="{EDF85BFB-F8A8-4A31-BF67-6A9325A6BE3A}" sibTransId="{38504559-4FDB-4CBE-BE5C-BE139351E1ED}"/>
     <dgm:cxn modelId="{1E96EC24-3136-451C-8124-B1AA860C7F76}" srcId="{BF60C6F2-8906-4CC1-8829-B05008E1ACBA}" destId="{C4B94F05-3FBC-4E84-A67F-BD280C9DED8E}" srcOrd="3" destOrd="0" parTransId="{E6A74357-2336-4B39-8760-7A69F86C23A9}" sibTransId="{3ED92DB5-C239-4375-BE7B-FE69644D4FF1}"/>
     <dgm:cxn modelId="{73B12DB8-03E0-4A37-9B46-2B79308B4944}" type="presOf" srcId="{BF60C6F2-8906-4CC1-8829-B05008E1ACBA}" destId="{8B182927-ED17-4B2B-A8C8-76B000729DBC}" srcOrd="0" destOrd="0" presId="urn:microsoft.com/office/officeart/2008/layout/VerticalCurvedList"/>
+    <dgm:cxn modelId="{FCEF8229-FAE7-4AB4-B287-EA2758D3258D}" type="presOf" srcId="{8F21B665-C150-4346-9B72-5EEB7F6360AA}" destId="{B3C85711-6894-4497-9292-DA88DCACD5F3}" srcOrd="0" destOrd="0" presId="urn:microsoft.com/office/officeart/2008/layout/VerticalCurvedList"/>
+    <dgm:cxn modelId="{AB009F41-FAFF-4288-9690-5D3AB56B94A2}" type="presOf" srcId="{29FC6AD6-FF8A-4646-B06C-2BACB48BF1A3}" destId="{7728D2D9-D3FB-45A8-8F82-40A57DBE13E4}" srcOrd="0" destOrd="0" presId="urn:microsoft.com/office/officeart/2008/layout/VerticalCurvedList"/>
+    <dgm:cxn modelId="{7CBA7293-8C0A-460D-B269-22EC7474FD21}" type="presOf" srcId="{564D9206-ECD9-43BB-B428-2D6CC6691A5F}" destId="{05DB2FFE-75EA-4CE9-9FFB-C9DC7537AEF7}" srcOrd="0" destOrd="0" presId="urn:microsoft.com/office/officeart/2008/layout/VerticalCurvedList"/>
     <dgm:cxn modelId="{694A3211-7D4D-4859-A0E1-18433B64F5A1}" type="presOf" srcId="{C4B94F05-3FBC-4E84-A67F-BD280C9DED8E}" destId="{EBCA7552-EF4E-4AA2-89DF-6640E90E6ACE}" srcOrd="0" destOrd="0" presId="urn:microsoft.com/office/officeart/2008/layout/VerticalCurvedList"/>
-    <dgm:cxn modelId="{AB009F41-FAFF-4288-9690-5D3AB56B94A2}" type="presOf" srcId="{29FC6AD6-FF8A-4646-B06C-2BACB48BF1A3}" destId="{7728D2D9-D3FB-45A8-8F82-40A57DBE13E4}" srcOrd="0" destOrd="0" presId="urn:microsoft.com/office/officeart/2008/layout/VerticalCurvedList"/>
+    <dgm:cxn modelId="{CB4371E2-E300-4BB3-9350-74219B95A35C}" srcId="{BF60C6F2-8906-4CC1-8829-B05008E1ACBA}" destId="{29FC6AD6-FF8A-4646-B06C-2BACB48BF1A3}" srcOrd="0" destOrd="0" parTransId="{9E5F1CB8-63F3-4ECF-8E2B-C1296E67A4B2}" sibTransId="{7A35E73F-9B9A-4905-9E03-7DF92CD5F82E}"/>
     <dgm:cxn modelId="{4F5B630E-498F-4C1A-BC73-2E62C5AA0F71}" type="presOf" srcId="{61F71760-953F-44CE-854E-646C5A6CB39F}" destId="{87A69DFC-5364-42D6-9771-3900F1D69A3A}" srcOrd="0" destOrd="0" presId="urn:microsoft.com/office/officeart/2008/layout/VerticalCurvedList"/>
+    <dgm:cxn modelId="{4878D399-D0A9-4602-9ABE-688BAE914E07}" srcId="{BF60C6F2-8906-4CC1-8829-B05008E1ACBA}" destId="{61F71760-953F-44CE-854E-646C5A6CB39F}" srcOrd="5" destOrd="0" parTransId="{4EBEF081-B54B-429E-BA34-41AC5B6D2369}" sibTransId="{EB8F22C1-5D92-4455-9387-594A0C943AC7}"/>
     <dgm:cxn modelId="{AFDF2811-BBBA-4633-8A0E-E1EEB84BB5CF}" type="presOf" srcId="{7A35E73F-9B9A-4905-9E03-7DF92CD5F82E}" destId="{BFF0EFE5-0448-42CD-8D69-1F71A75152AE}" srcOrd="0" destOrd="0" presId="urn:microsoft.com/office/officeart/2008/layout/VerticalCurvedList"/>
+    <dgm:cxn modelId="{5C730772-73EB-45B0-83BF-6D2F3992950F}" srcId="{BF60C6F2-8906-4CC1-8829-B05008E1ACBA}" destId="{9A98120C-01A9-41C2-A04C-87D1BE9F6553}" srcOrd="6" destOrd="0" parTransId="{5A6880C0-4CFC-4EB4-9C54-FB9DDBB0C171}" sibTransId="{02C240DC-ED7D-4191-8AE3-B7F2BD8059A0}"/>
     <dgm:cxn modelId="{5ECB0DDE-FC1D-44F8-AE94-3D7DB8B8B539}" srcId="{BF60C6F2-8906-4CC1-8829-B05008E1ACBA}" destId="{E7004C86-CC89-44C6-8EB1-BBCE37C6F66D}" srcOrd="2" destOrd="0" parTransId="{8EDEC13E-81AA-4D25-B933-5F2C3258B9F3}" sibTransId="{458FA936-F197-4423-B609-8C84E923FF4C}"/>
+    <dgm:cxn modelId="{A752CEAB-F84E-415A-9CD6-1A92E8539081}" type="presOf" srcId="{E7004C86-CC89-44C6-8EB1-BBCE37C6F66D}" destId="{A6A0D773-1F96-4FE8-8D6B-FC58A59AE354}" srcOrd="0" destOrd="0" presId="urn:microsoft.com/office/officeart/2008/layout/VerticalCurvedList"/>
     <dgm:cxn modelId="{03F225CC-01CA-45D2-899B-CCE546A1B8A0}" type="presOf" srcId="{9A98120C-01A9-41C2-A04C-87D1BE9F6553}" destId="{A73C0F23-F3AF-4281-826B-5C4C834502D3}" srcOrd="0" destOrd="0" presId="urn:microsoft.com/office/officeart/2008/layout/VerticalCurvedList"/>
-    <dgm:cxn modelId="{D793F652-73A0-4CA3-8567-0F72B6A4B13C}" srcId="{BF60C6F2-8906-4CC1-8829-B05008E1ACBA}" destId="{564D9206-ECD9-43BB-B428-2D6CC6691A5F}" srcOrd="4" destOrd="0" parTransId="{EDF85BFB-F8A8-4A31-BF67-6A9325A6BE3A}" sibTransId="{38504559-4FDB-4CBE-BE5C-BE139351E1ED}"/>
-    <dgm:cxn modelId="{7CBA7293-8C0A-460D-B269-22EC7474FD21}" type="presOf" srcId="{564D9206-ECD9-43BB-B428-2D6CC6691A5F}" destId="{05DB2FFE-75EA-4CE9-9FFB-C9DC7537AEF7}" srcOrd="0" destOrd="0" presId="urn:microsoft.com/office/officeart/2008/layout/VerticalCurvedList"/>
-    <dgm:cxn modelId="{A752CEAB-F84E-415A-9CD6-1A92E8539081}" type="presOf" srcId="{E7004C86-CC89-44C6-8EB1-BBCE37C6F66D}" destId="{A6A0D773-1F96-4FE8-8D6B-FC58A59AE354}" srcOrd="0" destOrd="0" presId="urn:microsoft.com/office/officeart/2008/layout/VerticalCurvedList"/>
-    <dgm:cxn modelId="{CB4371E2-E300-4BB3-9350-74219B95A35C}" srcId="{BF60C6F2-8906-4CC1-8829-B05008E1ACBA}" destId="{29FC6AD6-FF8A-4646-B06C-2BACB48BF1A3}" srcOrd="0" destOrd="0" parTransId="{9E5F1CB8-63F3-4ECF-8E2B-C1296E67A4B2}" sibTransId="{7A35E73F-9B9A-4905-9E03-7DF92CD5F82E}"/>
-    <dgm:cxn modelId="{5C730772-73EB-45B0-83BF-6D2F3992950F}" srcId="{BF60C6F2-8906-4CC1-8829-B05008E1ACBA}" destId="{9A98120C-01A9-41C2-A04C-87D1BE9F6553}" srcOrd="6" destOrd="0" parTransId="{5A6880C0-4CFC-4EB4-9C54-FB9DDBB0C171}" sibTransId="{02C240DC-ED7D-4191-8AE3-B7F2BD8059A0}"/>
-    <dgm:cxn modelId="{FC6E6CA2-7179-4A48-8688-01CAD70C7430}" srcId="{BF60C6F2-8906-4CC1-8829-B05008E1ACBA}" destId="{8F21B665-C150-4346-9B72-5EEB7F6360AA}" srcOrd="1" destOrd="0" parTransId="{E4FB1C6E-33B1-43C9-90C2-434288E9E2CB}" sibTransId="{0850B2A6-27A7-4973-8282-41659557554E}"/>
-    <dgm:cxn modelId="{FCEF8229-FAE7-4AB4-B287-EA2758D3258D}" type="presOf" srcId="{8F21B665-C150-4346-9B72-5EEB7F6360AA}" destId="{B3C85711-6894-4497-9292-DA88DCACD5F3}" srcOrd="0" destOrd="0" presId="urn:microsoft.com/office/officeart/2008/layout/VerticalCurvedList"/>
-    <dgm:cxn modelId="{4878D399-D0A9-4602-9ABE-688BAE914E07}" srcId="{BF60C6F2-8906-4CC1-8829-B05008E1ACBA}" destId="{61F71760-953F-44CE-854E-646C5A6CB39F}" srcOrd="5" destOrd="0" parTransId="{4EBEF081-B54B-429E-BA34-41AC5B6D2369}" sibTransId="{EB8F22C1-5D92-4455-9387-594A0C943AC7}"/>
     <dgm:cxn modelId="{75A44DF4-87B2-4561-9C49-8169564E48F3}" type="presParOf" srcId="{8B182927-ED17-4B2B-A8C8-76B000729DBC}" destId="{44EE3891-22FB-4123-BA21-C721FF057782}" srcOrd="0" destOrd="0" presId="urn:microsoft.com/office/officeart/2008/layout/VerticalCurvedList"/>
     <dgm:cxn modelId="{03F8211C-2132-456B-925B-698FBB64FF43}" type="presParOf" srcId="{44EE3891-22FB-4123-BA21-C721FF057782}" destId="{358DBE1B-3C37-40E8-9C65-18B34D563C87}" srcOrd="0" destOrd="0" presId="urn:microsoft.com/office/officeart/2008/layout/VerticalCurvedList"/>
     <dgm:cxn modelId="{B167D681-6312-43C7-B740-68C18D867F4B}" type="presParOf" srcId="{358DBE1B-3C37-40E8-9C65-18B34D563C87}" destId="{2AB95113-E2D0-4D33-ACDB-E131CB78CB53}" srcOrd="0" destOrd="0" presId="urn:microsoft.com/office/officeart/2008/layout/VerticalCurvedList"/>
@@ -4119,7 +4149,7 @@
   <dgm:whole/>
   <dgm:extLst>
     <a:ext uri="http://schemas.microsoft.com/office/drawing/2008/diagram">
-      <dsp:dataModelExt xmlns:dsp="http://schemas.microsoft.com/office/drawing/2008/diagram" xmlns="" relId="rId8" minVer="http://schemas.openxmlformats.org/drawingml/2006/diagram"/>
+      <dsp:dataModelExt xmlns:dsp="http://schemas.microsoft.com/office/drawing/2008/diagram" relId="rId8" minVer="http://schemas.openxmlformats.org/drawingml/2006/diagram"/>
     </a:ext>
   </dgm:extLst>
 </dgm:dataModel>
@@ -4140,29 +4170,43 @@
       </dgm:t>
     </dgm:pt>
     <dgm:pt modelId="{347BC993-1C08-4D2B-9B66-80B98095A79C}">
-      <dgm:prSet phldrT="[Texto]"/>
+      <dgm:prSet phldrT="[Texto]" custT="1"/>
       <dgm:spPr/>
       <dgm:t>
         <a:bodyPr/>
         <a:lstStyle/>
         <a:p>
           <a:r>
-            <a:rPr lang="es-PE" smtClean="0"/>
+            <a:rPr lang="es-PE" sz="1000" dirty="0" smtClean="0"/>
             <a:t>Jorge Cabrera</a:t>
           </a:r>
         </a:p>
         <a:p>
           <a:r>
-            <a:rPr lang="es-PE" smtClean="0"/>
+            <a:rPr lang="es-PE" sz="1000" dirty="0" smtClean="0"/>
             <a:t>Rosario Villalta</a:t>
           </a:r>
         </a:p>
         <a:p>
           <a:r>
-            <a:rPr lang="es-PE" smtClean="0"/>
-            <a:t>Carlos Raymundo</a:t>
+            <a:rPr lang="es-PE" sz="1000" dirty="0" smtClean="0"/>
+            <a:t>Carlos </a:t>
           </a:r>
-          <a:endParaRPr lang="en-US" dirty="0"/>
+          <a:r>
+            <a:rPr lang="es-PE" sz="1000" dirty="0" smtClean="0"/>
+            <a:t>Raymundo</a:t>
+          </a:r>
+        </a:p>
+        <a:p>
+          <a:r>
+            <a:rPr lang="es-PE" sz="1000" dirty="0" smtClean="0"/>
+            <a:t>Amanda </a:t>
+          </a:r>
+          <a:r>
+            <a:rPr lang="es-PE" sz="1000" dirty="0" err="1" smtClean="0"/>
+            <a:t>Sanchez</a:t>
+          </a:r>
+          <a:endParaRPr lang="en-US" sz="1000" dirty="0"/>
         </a:p>
       </dgm:t>
     </dgm:pt>
@@ -4205,21 +4249,21 @@
       </dgm:t>
     </dgm:pt>
     <dgm:pt modelId="{09E3A6AC-7B50-43D0-BFDC-EFB9EA2F2D3E}">
-      <dgm:prSet phldrT="[Texto]"/>
+      <dgm:prSet phldrT="[Texto]" custT="1"/>
       <dgm:spPr/>
       <dgm:t>
         <a:bodyPr/>
         <a:lstStyle/>
         <a:p>
           <a:r>
-            <a:rPr lang="en-US" dirty="0" smtClean="0"/>
+            <a:rPr lang="en-US" sz="1200" dirty="0" smtClean="0"/>
             <a:t>Jimmy </a:t>
           </a:r>
           <a:r>
-            <a:rPr lang="en-US" dirty="0" err="1" smtClean="0"/>
+            <a:rPr lang="en-US" sz="1200" dirty="0" err="1" smtClean="0"/>
             <a:t>Armas</a:t>
           </a:r>
-          <a:endParaRPr lang="en-US" dirty="0"/>
+          <a:endParaRPr lang="en-US" sz="1200" dirty="0"/>
         </a:p>
       </dgm:t>
     </dgm:pt>
@@ -4258,21 +4302,21 @@
       </dgm:t>
     </dgm:pt>
     <dgm:pt modelId="{1168F6A4-1E41-4D02-8364-F4FCB27188E4}">
-      <dgm:prSet/>
+      <dgm:prSet custT="1"/>
       <dgm:spPr/>
       <dgm:t>
         <a:bodyPr/>
         <a:lstStyle/>
         <a:p>
           <a:r>
-            <a:rPr lang="en-US" dirty="0" err="1" smtClean="0"/>
+            <a:rPr lang="en-US" sz="1200" dirty="0" err="1" smtClean="0"/>
             <a:t>Kaya</a:t>
           </a:r>
           <a:r>
-            <a:rPr lang="en-US" dirty="0" smtClean="0"/>
+            <a:rPr lang="en-US" sz="1200" dirty="0" smtClean="0"/>
             <a:t> Marina</a:t>
           </a:r>
-          <a:endParaRPr lang="es-PE" dirty="0"/>
+          <a:endParaRPr lang="es-PE" sz="1200" dirty="0"/>
         </a:p>
       </dgm:t>
     </dgm:pt>
@@ -4327,21 +4371,21 @@
       </dgm:t>
     </dgm:pt>
     <dgm:pt modelId="{952FE013-1706-4DBC-9DA1-46041CB6AD92}">
-      <dgm:prSet/>
+      <dgm:prSet custT="1"/>
       <dgm:spPr/>
       <dgm:t>
         <a:bodyPr/>
         <a:lstStyle/>
         <a:p>
           <a:r>
-            <a:rPr lang="en-US" dirty="0" smtClean="0"/>
+            <a:rPr lang="en-US" sz="1200" dirty="0" smtClean="0"/>
             <a:t>Sandra Tovar </a:t>
           </a:r>
           <a:r>
-            <a:rPr lang="en-US" dirty="0" err="1" smtClean="0"/>
+            <a:rPr lang="en-US" sz="1200" dirty="0" err="1" smtClean="0"/>
             <a:t>Yachachin</a:t>
           </a:r>
-          <a:endParaRPr lang="es-PE" dirty="0"/>
+          <a:endParaRPr lang="es-PE" sz="1200" dirty="0"/>
         </a:p>
       </dgm:t>
     </dgm:pt>
@@ -4380,25 +4424,25 @@
       </dgm:t>
     </dgm:pt>
     <dgm:pt modelId="{D0E2CCA9-02B5-41C2-BE3A-E3CC628BC700}">
-      <dgm:prSet/>
+      <dgm:prSet custT="1"/>
       <dgm:spPr/>
       <dgm:t>
         <a:bodyPr/>
         <a:lstStyle/>
         <a:p>
           <a:r>
-            <a:rPr lang="en-US" dirty="0" smtClean="0"/>
+            <a:rPr lang="en-US" sz="1200" dirty="0" smtClean="0"/>
             <a:t>Cindy </a:t>
           </a:r>
           <a:r>
-            <a:rPr lang="en-US" dirty="0" err="1" smtClean="0"/>
+            <a:rPr lang="en-US" sz="1200" dirty="0" err="1" smtClean="0"/>
             <a:t>Briones</a:t>
           </a:r>
           <a:r>
-            <a:rPr lang="en-US" dirty="0" smtClean="0"/>
+            <a:rPr lang="en-US" sz="1200" dirty="0" smtClean="0"/>
             <a:t> Flores</a:t>
           </a:r>
-          <a:endParaRPr lang="es-PE" dirty="0"/>
+          <a:endParaRPr lang="es-PE" sz="1200" dirty="0"/>
         </a:p>
       </dgm:t>
     </dgm:pt>
@@ -4444,14 +4488,14 @@
         <a:lstStyle/>
         <a:p>
           <a:r>
-            <a:rPr lang="es-PE" sz="1300" dirty="0" smtClean="0"/>
+            <a:rPr lang="es-PE" sz="1200" dirty="0" smtClean="0"/>
             <a:t>Mariana </a:t>
           </a:r>
           <a:r>
-            <a:rPr lang="es-PE" sz="1300" dirty="0" err="1" smtClean="0"/>
+            <a:rPr lang="es-PE" sz="1200" dirty="0" err="1" smtClean="0"/>
             <a:t>Abugatas</a:t>
           </a:r>
-          <a:endParaRPr lang="es-PE" sz="1300" dirty="0"/>
+          <a:endParaRPr lang="es-PE" sz="1200" dirty="0"/>
         </a:p>
       </dgm:t>
     </dgm:pt>
@@ -4528,7 +4572,7 @@
       </dgm:t>
     </dgm:pt>
     <dgm:pt modelId="{14A78C60-F444-45B5-9186-37528D72A7D2}" type="pres">
-      <dgm:prSet presAssocID="{347BC993-1C08-4D2B-9B66-80B98095A79C}" presName="rootText1" presStyleLbl="node0" presStyleIdx="0" presStyleCnt="1" custScaleX="134084" custScaleY="129122" custLinFactNeighborX="2439" custLinFactNeighborY="-161">
+      <dgm:prSet presAssocID="{347BC993-1C08-4D2B-9B66-80B98095A79C}" presName="rootText1" presStyleLbl="node0" presStyleIdx="0" presStyleCnt="1" custScaleX="134084" custScaleY="129122" custLinFactNeighborX="1688" custLinFactNeighborY="-89">
         <dgm:presLayoutVars>
           <dgm:chMax/>
           <dgm:chPref val="3"/>
@@ -5075,36 +5119,36 @@
     </dgm:pt>
   </dgm:ptLst>
   <dgm:cxnLst>
+    <dgm:cxn modelId="{906549DF-D8B6-4118-ABB4-E6A621E6C3C9}" type="presOf" srcId="{7C231E78-92F5-4B5E-AD32-C165A625B1C9}" destId="{1605AA5F-8C30-4A5E-9A9F-2073BA058232}" srcOrd="0" destOrd="0" presId="urn:microsoft.com/office/officeart/2008/layout/NameandTitleOrganizationalChart"/>
+    <dgm:cxn modelId="{D44AD234-998D-4088-AF21-7061F5D436E9}" type="presOf" srcId="{1168F6A4-1E41-4D02-8364-F4FCB27188E4}" destId="{53B01AB6-84B1-4F36-9833-DA65F891A0EB}" srcOrd="1" destOrd="0" presId="urn:microsoft.com/office/officeart/2008/layout/NameandTitleOrganizationalChart"/>
+    <dgm:cxn modelId="{56B275F4-349A-4E1E-8F43-83EC054B832F}" type="presOf" srcId="{347BC993-1C08-4D2B-9B66-80B98095A79C}" destId="{E0F40A59-B6D0-40C0-8146-DD3DE9BB0E5E}" srcOrd="1" destOrd="0" presId="urn:microsoft.com/office/officeart/2008/layout/NameandTitleOrganizationalChart"/>
+    <dgm:cxn modelId="{5769F2F8-6C59-4195-8488-FCE38593F8B7}" type="presOf" srcId="{CD4F10B8-2968-4740-A825-FE79CC1CA096}" destId="{1F03D495-773F-4154-A5DC-766EE2212DD4}" srcOrd="0" destOrd="0" presId="urn:microsoft.com/office/officeart/2008/layout/NameandTitleOrganizationalChart"/>
+    <dgm:cxn modelId="{1E0A05D4-DE89-453E-82C4-B65224D7867E}" type="presOf" srcId="{952FE013-1706-4DBC-9DA1-46041CB6AD92}" destId="{77981FE5-DBCD-4869-8D12-655EDBA1FAA5}" srcOrd="1" destOrd="0" presId="urn:microsoft.com/office/officeart/2008/layout/NameandTitleOrganizationalChart"/>
+    <dgm:cxn modelId="{7554AD96-DB71-4AD5-981D-88F978215DF6}" type="presOf" srcId="{11A98B8E-5634-4CB4-9436-FE2DD628832F}" destId="{A2F7AFDA-86EB-4274-BC9B-0D0273B9676E}" srcOrd="0" destOrd="0" presId="urn:microsoft.com/office/officeart/2008/layout/NameandTitleOrganizationalChart"/>
+    <dgm:cxn modelId="{68BC870F-CE90-4B5C-97A5-FD5CFD38A479}" type="presOf" srcId="{3F1CC737-CD10-4575-8937-D4085782797A}" destId="{EAAB09E8-00B9-4D2A-8D4D-27F0F3176A40}" srcOrd="0" destOrd="0" presId="urn:microsoft.com/office/officeart/2008/layout/NameandTitleOrganizationalChart"/>
+    <dgm:cxn modelId="{502CBE2E-F73D-46F4-9970-D7926FE5BFB0}" type="presOf" srcId="{D54E75F5-A54B-4F2D-B083-9D7C8128EF87}" destId="{91914361-BB6E-47CD-8B5A-440BC7E0D3FC}" srcOrd="0" destOrd="0" presId="urn:microsoft.com/office/officeart/2008/layout/NameandTitleOrganizationalChart"/>
     <dgm:cxn modelId="{42119602-77CD-4140-8A27-67B2E1783EA6}" srcId="{1168F6A4-1E41-4D02-8364-F4FCB27188E4}" destId="{952FE013-1706-4DBC-9DA1-46041CB6AD92}" srcOrd="0" destOrd="0" parTransId="{59C22F3A-4314-4753-A21A-C753F0EDFEEA}" sibTransId="{91FB05EA-4AF6-4D04-A6EF-68292175BEB9}"/>
-    <dgm:cxn modelId="{1F6E0CA3-0715-4FA3-AD62-34BF36AE67D0}" type="presOf" srcId="{1168F6A4-1E41-4D02-8364-F4FCB27188E4}" destId="{25343B94-49FB-44BB-AFF9-6C2BB17E8B5E}" srcOrd="0" destOrd="0" presId="urn:microsoft.com/office/officeart/2008/layout/NameandTitleOrganizationalChart"/>
-    <dgm:cxn modelId="{502CBE2E-F73D-46F4-9970-D7926FE5BFB0}" type="presOf" srcId="{D54E75F5-A54B-4F2D-B083-9D7C8128EF87}" destId="{91914361-BB6E-47CD-8B5A-440BC7E0D3FC}" srcOrd="0" destOrd="0" presId="urn:microsoft.com/office/officeart/2008/layout/NameandTitleOrganizationalChart"/>
-    <dgm:cxn modelId="{71843F95-AC0E-4150-803D-425F89BAD153}" type="presOf" srcId="{95520C58-803E-4225-874B-B2C1C5278E29}" destId="{20DC4BF3-79E5-4DA4-9F9D-305F11603ECB}" srcOrd="0" destOrd="0" presId="urn:microsoft.com/office/officeart/2008/layout/NameandTitleOrganizationalChart"/>
     <dgm:cxn modelId="{878ECED7-83FC-4262-8369-130EC6598833}" type="presOf" srcId="{09E3A6AC-7B50-43D0-BFDC-EFB9EA2F2D3E}" destId="{48975034-1684-494C-915E-D7523B1568C4}" srcOrd="1" destOrd="0" presId="urn:microsoft.com/office/officeart/2008/layout/NameandTitleOrganizationalChart"/>
-    <dgm:cxn modelId="{1E0A05D4-DE89-453E-82C4-B65224D7867E}" type="presOf" srcId="{952FE013-1706-4DBC-9DA1-46041CB6AD92}" destId="{77981FE5-DBCD-4869-8D12-655EDBA1FAA5}" srcOrd="1" destOrd="0" presId="urn:microsoft.com/office/officeart/2008/layout/NameandTitleOrganizationalChart"/>
-    <dgm:cxn modelId="{7872FC00-A056-4D6B-8104-CF70B79C2D3A}" type="presOf" srcId="{10E906E1-3AB4-477A-833F-6A9408CBEB39}" destId="{236748A3-D9B4-4A21-B6C5-790B167C0A3D}" srcOrd="0" destOrd="0" presId="urn:microsoft.com/office/officeart/2008/layout/NameandTitleOrganizationalChart"/>
-    <dgm:cxn modelId="{11E076B9-3132-40B4-AB60-C72B0A20802F}" type="presOf" srcId="{09E3A6AC-7B50-43D0-BFDC-EFB9EA2F2D3E}" destId="{4D8981D7-C78E-4A27-8AA7-25E8943F9E2D}" srcOrd="0" destOrd="0" presId="urn:microsoft.com/office/officeart/2008/layout/NameandTitleOrganizationalChart"/>
-    <dgm:cxn modelId="{68BC870F-CE90-4B5C-97A5-FD5CFD38A479}" type="presOf" srcId="{3F1CC737-CD10-4575-8937-D4085782797A}" destId="{EAAB09E8-00B9-4D2A-8D4D-27F0F3176A40}" srcOrd="0" destOrd="0" presId="urn:microsoft.com/office/officeart/2008/layout/NameandTitleOrganizationalChart"/>
+    <dgm:cxn modelId="{A4289140-36DF-42B6-995B-CDDC16E0DCDF}" type="presOf" srcId="{1576AEB1-9BC2-48CE-9B89-BE247074FC3A}" destId="{3BAD1AEA-418A-4FF2-8C37-6E86CA4A16EC}" srcOrd="0" destOrd="0" presId="urn:microsoft.com/office/officeart/2008/layout/NameandTitleOrganizationalChart"/>
     <dgm:cxn modelId="{91C61739-F08E-4B55-9781-0582AF4E1226}" type="presOf" srcId="{59C22F3A-4314-4753-A21A-C753F0EDFEEA}" destId="{9DFE2D37-DFC8-4633-9B75-970E2B7DE545}" srcOrd="0" destOrd="0" presId="urn:microsoft.com/office/officeart/2008/layout/NameandTitleOrganizationalChart"/>
     <dgm:cxn modelId="{B9021E40-F741-47D5-BCE4-283C3559A4A3}" type="presOf" srcId="{D0E2CCA9-02B5-41C2-BE3A-E3CC628BC700}" destId="{B9EDA11B-C7AA-43D8-9B53-7713D2CA7FE0}" srcOrd="0" destOrd="0" presId="urn:microsoft.com/office/officeart/2008/layout/NameandTitleOrganizationalChart"/>
-    <dgm:cxn modelId="{56B275F4-349A-4E1E-8F43-83EC054B832F}" type="presOf" srcId="{347BC993-1C08-4D2B-9B66-80B98095A79C}" destId="{E0F40A59-B6D0-40C0-8146-DD3DE9BB0E5E}" srcOrd="1" destOrd="0" presId="urn:microsoft.com/office/officeart/2008/layout/NameandTitleOrganizationalChart"/>
+    <dgm:cxn modelId="{1F6E0CA3-0715-4FA3-AD62-34BF36AE67D0}" type="presOf" srcId="{1168F6A4-1E41-4D02-8364-F4FCB27188E4}" destId="{25343B94-49FB-44BB-AFF9-6C2BB17E8B5E}" srcOrd="0" destOrd="0" presId="urn:microsoft.com/office/officeart/2008/layout/NameandTitleOrganizationalChart"/>
+    <dgm:cxn modelId="{08120B0A-B820-4835-879C-DB45FC6D9BE7}" type="presOf" srcId="{347BC993-1C08-4D2B-9B66-80B98095A79C}" destId="{14A78C60-F444-45B5-9186-37528D72A7D2}" srcOrd="0" destOrd="0" presId="urn:microsoft.com/office/officeart/2008/layout/NameandTitleOrganizationalChart"/>
+    <dgm:cxn modelId="{28205AE9-CAFE-4B2D-8206-9DB6CDCBF8C6}" type="presOf" srcId="{952FE013-1706-4DBC-9DA1-46041CB6AD92}" destId="{31E0648C-6AA2-4CF2-9136-2EB6D6849F75}" srcOrd="0" destOrd="0" presId="urn:microsoft.com/office/officeart/2008/layout/NameandTitleOrganizationalChart"/>
+    <dgm:cxn modelId="{1A24CEA0-68FE-4C67-9746-E822AB5B072F}" type="presOf" srcId="{D0E2CCA9-02B5-41C2-BE3A-E3CC628BC700}" destId="{95D3A784-BCBB-4D00-97EF-9660389AF29E}" srcOrd="1" destOrd="0" presId="urn:microsoft.com/office/officeart/2008/layout/NameandTitleOrganizationalChart"/>
+    <dgm:cxn modelId="{5536444A-EF06-46EB-9D98-0F5AA28C4A0B}" type="presOf" srcId="{2A879A2D-CCF4-4F86-AB64-7BE670EC32F7}" destId="{FCB3506C-C4C5-4C86-B272-226F06B81C53}" srcOrd="0" destOrd="0" presId="urn:microsoft.com/office/officeart/2008/layout/NameandTitleOrganizationalChart"/>
+    <dgm:cxn modelId="{6CA07ED4-206C-4777-B06F-E48186D88663}" srcId="{1168F6A4-1E41-4D02-8364-F4FCB27188E4}" destId="{D0E2CCA9-02B5-41C2-BE3A-E3CC628BC700}" srcOrd="1" destOrd="0" parTransId="{2A879A2D-CCF4-4F86-AB64-7BE670EC32F7}" sibTransId="{1576AEB1-9BC2-48CE-9B89-BE247074FC3A}"/>
+    <dgm:cxn modelId="{7872FC00-A056-4D6B-8104-CF70B79C2D3A}" type="presOf" srcId="{10E906E1-3AB4-477A-833F-6A9408CBEB39}" destId="{236748A3-D9B4-4A21-B6C5-790B167C0A3D}" srcOrd="0" destOrd="0" presId="urn:microsoft.com/office/officeart/2008/layout/NameandTitleOrganizationalChart"/>
+    <dgm:cxn modelId="{6DAE6547-7817-49F4-9E0F-32C7ACC6B6E3}" srcId="{09E3A6AC-7B50-43D0-BFDC-EFB9EA2F2D3E}" destId="{1168F6A4-1E41-4D02-8364-F4FCB27188E4}" srcOrd="0" destOrd="0" parTransId="{3F1CC737-CD10-4575-8937-D4085782797A}" sibTransId="{FE9BA5E0-76D1-4638-AA36-7407487D19FF}"/>
+    <dgm:cxn modelId="{8E20BB29-23E6-49D2-8813-C363299772C3}" srcId="{347BC993-1C08-4D2B-9B66-80B98095A79C}" destId="{09E3A6AC-7B50-43D0-BFDC-EFB9EA2F2D3E}" srcOrd="0" destOrd="0" parTransId="{D54E75F5-A54B-4F2D-B083-9D7C8128EF87}" sibTransId="{11A98B8E-5634-4CB4-9436-FE2DD628832F}"/>
+    <dgm:cxn modelId="{40F266BD-AEC6-4337-B320-99CA80453BAD}" type="presOf" srcId="{91FB05EA-4AF6-4D04-A6EF-68292175BEB9}" destId="{79007A5F-79F1-49C2-9557-04F9B95E435E}" srcOrd="0" destOrd="0" presId="urn:microsoft.com/office/officeart/2008/layout/NameandTitleOrganizationalChart"/>
+    <dgm:cxn modelId="{71843F95-AC0E-4150-803D-425F89BAD153}" type="presOf" srcId="{95520C58-803E-4225-874B-B2C1C5278E29}" destId="{20DC4BF3-79E5-4DA4-9F9D-305F11603ECB}" srcOrd="0" destOrd="0" presId="urn:microsoft.com/office/officeart/2008/layout/NameandTitleOrganizationalChart"/>
+    <dgm:cxn modelId="{FDBECD60-AA52-4FD1-8248-276D46C0DAF3}" type="presOf" srcId="{95520C58-803E-4225-874B-B2C1C5278E29}" destId="{4CDCB448-8D8B-436B-AA1E-AD9E5FB4E25C}" srcOrd="1" destOrd="0" presId="urn:microsoft.com/office/officeart/2008/layout/NameandTitleOrganizationalChart"/>
+    <dgm:cxn modelId="{3ACC8753-CF77-469C-9139-A5DBAA57BCB5}" type="presOf" srcId="{824E84C1-AA8F-4184-987D-03E545B9F99B}" destId="{0488DDFB-00EC-416A-9B47-52C08CDA82C4}" srcOrd="0" destOrd="0" presId="urn:microsoft.com/office/officeart/2008/layout/NameandTitleOrganizationalChart"/>
+    <dgm:cxn modelId="{11E076B9-3132-40B4-AB60-C72B0A20802F}" type="presOf" srcId="{09E3A6AC-7B50-43D0-BFDC-EFB9EA2F2D3E}" destId="{4D8981D7-C78E-4A27-8AA7-25E8943F9E2D}" srcOrd="0" destOrd="0" presId="urn:microsoft.com/office/officeart/2008/layout/NameandTitleOrganizationalChart"/>
+    <dgm:cxn modelId="{83F329C9-3B74-4C17-A8B2-072C41000B88}" srcId="{1168F6A4-1E41-4D02-8364-F4FCB27188E4}" destId="{95520C58-803E-4225-874B-B2C1C5278E29}" srcOrd="2" destOrd="0" parTransId="{7C231E78-92F5-4B5E-AD32-C165A625B1C9}" sibTransId="{824E84C1-AA8F-4184-987D-03E545B9F99B}"/>
+    <dgm:cxn modelId="{71DBC626-4725-40A6-A6C3-E44377EEEB1A}" type="presOf" srcId="{FE9BA5E0-76D1-4638-AA36-7407487D19FF}" destId="{BB95E758-77D9-4392-909E-ECD227327D01}" srcOrd="0" destOrd="0" presId="urn:microsoft.com/office/officeart/2008/layout/NameandTitleOrganizationalChart"/>
     <dgm:cxn modelId="{F9F5543C-6F93-420C-9818-2E27B3DB8E61}" srcId="{CD4F10B8-2968-4740-A825-FE79CC1CA096}" destId="{347BC993-1C08-4D2B-9B66-80B98095A79C}" srcOrd="0" destOrd="0" parTransId="{D410DF65-11BD-4CDD-99CF-093E36503C1E}" sibTransId="{10E906E1-3AB4-477A-833F-6A9408CBEB39}"/>
-    <dgm:cxn modelId="{906549DF-D8B6-4118-ABB4-E6A621E6C3C9}" type="presOf" srcId="{7C231E78-92F5-4B5E-AD32-C165A625B1C9}" destId="{1605AA5F-8C30-4A5E-9A9F-2073BA058232}" srcOrd="0" destOrd="0" presId="urn:microsoft.com/office/officeart/2008/layout/NameandTitleOrganizationalChart"/>
-    <dgm:cxn modelId="{A4289140-36DF-42B6-995B-CDDC16E0DCDF}" type="presOf" srcId="{1576AEB1-9BC2-48CE-9B89-BE247074FC3A}" destId="{3BAD1AEA-418A-4FF2-8C37-6E86CA4A16EC}" srcOrd="0" destOrd="0" presId="urn:microsoft.com/office/officeart/2008/layout/NameandTitleOrganizationalChart"/>
-    <dgm:cxn modelId="{40F266BD-AEC6-4337-B320-99CA80453BAD}" type="presOf" srcId="{91FB05EA-4AF6-4D04-A6EF-68292175BEB9}" destId="{79007A5F-79F1-49C2-9557-04F9B95E435E}" srcOrd="0" destOrd="0" presId="urn:microsoft.com/office/officeart/2008/layout/NameandTitleOrganizationalChart"/>
-    <dgm:cxn modelId="{3ACC8753-CF77-469C-9139-A5DBAA57BCB5}" type="presOf" srcId="{824E84C1-AA8F-4184-987D-03E545B9F99B}" destId="{0488DDFB-00EC-416A-9B47-52C08CDA82C4}" srcOrd="0" destOrd="0" presId="urn:microsoft.com/office/officeart/2008/layout/NameandTitleOrganizationalChart"/>
-    <dgm:cxn modelId="{1A24CEA0-68FE-4C67-9746-E822AB5B072F}" type="presOf" srcId="{D0E2CCA9-02B5-41C2-BE3A-E3CC628BC700}" destId="{95D3A784-BCBB-4D00-97EF-9660389AF29E}" srcOrd="1" destOrd="0" presId="urn:microsoft.com/office/officeart/2008/layout/NameandTitleOrganizationalChart"/>
-    <dgm:cxn modelId="{8E20BB29-23E6-49D2-8813-C363299772C3}" srcId="{347BC993-1C08-4D2B-9B66-80B98095A79C}" destId="{09E3A6AC-7B50-43D0-BFDC-EFB9EA2F2D3E}" srcOrd="0" destOrd="0" parTransId="{D54E75F5-A54B-4F2D-B083-9D7C8128EF87}" sibTransId="{11A98B8E-5634-4CB4-9436-FE2DD628832F}"/>
-    <dgm:cxn modelId="{08120B0A-B820-4835-879C-DB45FC6D9BE7}" type="presOf" srcId="{347BC993-1C08-4D2B-9B66-80B98095A79C}" destId="{14A78C60-F444-45B5-9186-37528D72A7D2}" srcOrd="0" destOrd="0" presId="urn:microsoft.com/office/officeart/2008/layout/NameandTitleOrganizationalChart"/>
-    <dgm:cxn modelId="{83F329C9-3B74-4C17-A8B2-072C41000B88}" srcId="{1168F6A4-1E41-4D02-8364-F4FCB27188E4}" destId="{95520C58-803E-4225-874B-B2C1C5278E29}" srcOrd="2" destOrd="0" parTransId="{7C231E78-92F5-4B5E-AD32-C165A625B1C9}" sibTransId="{824E84C1-AA8F-4184-987D-03E545B9F99B}"/>
-    <dgm:cxn modelId="{7554AD96-DB71-4AD5-981D-88F978215DF6}" type="presOf" srcId="{11A98B8E-5634-4CB4-9436-FE2DD628832F}" destId="{A2F7AFDA-86EB-4274-BC9B-0D0273B9676E}" srcOrd="0" destOrd="0" presId="urn:microsoft.com/office/officeart/2008/layout/NameandTitleOrganizationalChart"/>
-    <dgm:cxn modelId="{28205AE9-CAFE-4B2D-8206-9DB6CDCBF8C6}" type="presOf" srcId="{952FE013-1706-4DBC-9DA1-46041CB6AD92}" destId="{31E0648C-6AA2-4CF2-9136-2EB6D6849F75}" srcOrd="0" destOrd="0" presId="urn:microsoft.com/office/officeart/2008/layout/NameandTitleOrganizationalChart"/>
-    <dgm:cxn modelId="{5769F2F8-6C59-4195-8488-FCE38593F8B7}" type="presOf" srcId="{CD4F10B8-2968-4740-A825-FE79CC1CA096}" destId="{1F03D495-773F-4154-A5DC-766EE2212DD4}" srcOrd="0" destOrd="0" presId="urn:microsoft.com/office/officeart/2008/layout/NameandTitleOrganizationalChart"/>
-    <dgm:cxn modelId="{D44AD234-998D-4088-AF21-7061F5D436E9}" type="presOf" srcId="{1168F6A4-1E41-4D02-8364-F4FCB27188E4}" destId="{53B01AB6-84B1-4F36-9833-DA65F891A0EB}" srcOrd="1" destOrd="0" presId="urn:microsoft.com/office/officeart/2008/layout/NameandTitleOrganizationalChart"/>
-    <dgm:cxn modelId="{71DBC626-4725-40A6-A6C3-E44377EEEB1A}" type="presOf" srcId="{FE9BA5E0-76D1-4638-AA36-7407487D19FF}" destId="{BB95E758-77D9-4392-909E-ECD227327D01}" srcOrd="0" destOrd="0" presId="urn:microsoft.com/office/officeart/2008/layout/NameandTitleOrganizationalChart"/>
-    <dgm:cxn modelId="{FDBECD60-AA52-4FD1-8248-276D46C0DAF3}" type="presOf" srcId="{95520C58-803E-4225-874B-B2C1C5278E29}" destId="{4CDCB448-8D8B-436B-AA1E-AD9E5FB4E25C}" srcOrd="1" destOrd="0" presId="urn:microsoft.com/office/officeart/2008/layout/NameandTitleOrganizationalChart"/>
-    <dgm:cxn modelId="{6CA07ED4-206C-4777-B06F-E48186D88663}" srcId="{1168F6A4-1E41-4D02-8364-F4FCB27188E4}" destId="{D0E2CCA9-02B5-41C2-BE3A-E3CC628BC700}" srcOrd="1" destOrd="0" parTransId="{2A879A2D-CCF4-4F86-AB64-7BE670EC32F7}" sibTransId="{1576AEB1-9BC2-48CE-9B89-BE247074FC3A}"/>
-    <dgm:cxn modelId="{5536444A-EF06-46EB-9D98-0F5AA28C4A0B}" type="presOf" srcId="{2A879A2D-CCF4-4F86-AB64-7BE670EC32F7}" destId="{FCB3506C-C4C5-4C86-B272-226F06B81C53}" srcOrd="0" destOrd="0" presId="urn:microsoft.com/office/officeart/2008/layout/NameandTitleOrganizationalChart"/>
-    <dgm:cxn modelId="{6DAE6547-7817-49F4-9E0F-32C7ACC6B6E3}" srcId="{09E3A6AC-7B50-43D0-BFDC-EFB9EA2F2D3E}" destId="{1168F6A4-1E41-4D02-8364-F4FCB27188E4}" srcOrd="0" destOrd="0" parTransId="{3F1CC737-CD10-4575-8937-D4085782797A}" sibTransId="{FE9BA5E0-76D1-4638-AA36-7407487D19FF}"/>
     <dgm:cxn modelId="{36C5DAC9-8E82-4D6D-A92C-9BF8BE58629A}" type="presParOf" srcId="{1F03D495-773F-4154-A5DC-766EE2212DD4}" destId="{D4B6FE01-ADE3-416C-AABB-51C5F72478D7}" srcOrd="0" destOrd="0" presId="urn:microsoft.com/office/officeart/2008/layout/NameandTitleOrganizationalChart"/>
     <dgm:cxn modelId="{448D5BA5-67FB-4C09-AB58-0D55E2689FAD}" type="presParOf" srcId="{D4B6FE01-ADE3-416C-AABB-51C5F72478D7}" destId="{579C145A-8646-4C6E-9F44-F0EFF9ED57D4}" srcOrd="0" destOrd="0" presId="urn:microsoft.com/office/officeart/2008/layout/NameandTitleOrganizationalChart"/>
     <dgm:cxn modelId="{65D31A5D-D73F-46E2-90EA-B47975A19B14}" type="presParOf" srcId="{579C145A-8646-4C6E-9F44-F0EFF9ED57D4}" destId="{14A78C60-F444-45B5-9186-37528D72A7D2}" srcOrd="0" destOrd="0" presId="urn:microsoft.com/office/officeart/2008/layout/NameandTitleOrganizationalChart"/>
@@ -5157,7 +5201,7 @@
   <dgm:whole/>
   <dgm:extLst>
     <a:ext uri="http://schemas.microsoft.com/office/drawing/2008/diagram">
-      <dsp:dataModelExt xmlns:dsp="http://schemas.microsoft.com/office/drawing/2008/diagram" xmlns="" relId="rId8" minVer="http://schemas.openxmlformats.org/drawingml/2006/diagram"/>
+      <dsp:dataModelExt xmlns:dsp="http://schemas.microsoft.com/office/drawing/2008/diagram" relId="rId8" minVer="http://schemas.openxmlformats.org/drawingml/2006/diagram"/>
     </a:ext>
   </dgm:extLst>
 </dgm:dataModel>
@@ -5570,15 +5614,15 @@
     </dgm:pt>
   </dgm:ptLst>
   <dgm:cxnLst>
+    <dgm:cxn modelId="{755082BC-9A4D-4E5E-B16D-CAE1A40332B8}" type="presOf" srcId="{08D5F0A4-16D6-4CF1-BFB1-7409ADD1584D}" destId="{EE723D86-4C37-4804-B40B-3E76095C48F1}" srcOrd="0" destOrd="0" presId="urn:microsoft.com/office/officeart/2005/8/layout/hierarchy4"/>
+    <dgm:cxn modelId="{B8F3B834-93BB-40FF-8B60-609A181C58F1}" srcId="{1C625F2A-FE72-45AA-9600-CDAF3F61B844}" destId="{509F9BE9-4137-4609-9A90-3894AD1E7933}" srcOrd="2" destOrd="0" parTransId="{6E3ABEA4-F6A7-4AC0-8B9A-1ECABBCF57CF}" sibTransId="{2CB1DF59-05C1-46ED-ACF5-374BA18B7741}"/>
     <dgm:cxn modelId="{5279D04B-930E-4DE7-A7A0-A72758389925}" type="presOf" srcId="{509F9BE9-4137-4609-9A90-3894AD1E7933}" destId="{97F8B434-2F28-4662-B6C2-14B425398A98}" srcOrd="0" destOrd="0" presId="urn:microsoft.com/office/officeart/2005/8/layout/hierarchy4"/>
+    <dgm:cxn modelId="{F7FA1902-7A76-4216-B6C4-0AE29851ED33}" srcId="{1C625F2A-FE72-45AA-9600-CDAF3F61B844}" destId="{08D5F0A4-16D6-4CF1-BFB1-7409ADD1584D}" srcOrd="1" destOrd="0" parTransId="{09A80543-08C7-4C12-B276-A28D67716154}" sibTransId="{CCFA1855-709E-4DF7-B7FA-CF40E711921A}"/>
+    <dgm:cxn modelId="{C7B443CA-90D9-4080-A160-0A96909BE1C2}" srcId="{A1DFB07F-AC39-4CB3-B3CA-E389E512B2A4}" destId="{1C625F2A-FE72-45AA-9600-CDAF3F61B844}" srcOrd="0" destOrd="0" parTransId="{06029871-02D0-4C17-8B34-20BE0166D3DB}" sibTransId="{C763F3C8-60B7-4C05-A1CD-CA4375FA30E6}"/>
     <dgm:cxn modelId="{08747923-5E88-4E7A-A30B-61B8459DF116}" type="presOf" srcId="{1C625F2A-FE72-45AA-9600-CDAF3F61B844}" destId="{7A88E86B-149A-4960-AD77-2DBB56F1B11C}" srcOrd="0" destOrd="0" presId="urn:microsoft.com/office/officeart/2005/8/layout/hierarchy4"/>
+    <dgm:cxn modelId="{455F1068-F58B-4703-8D8B-D7E18A272B5E}" type="presOf" srcId="{A1DFB07F-AC39-4CB3-B3CA-E389E512B2A4}" destId="{F76C0F11-4C30-4321-A5BC-BEBC6577D681}" srcOrd="0" destOrd="0" presId="urn:microsoft.com/office/officeart/2005/8/layout/hierarchy4"/>
+    <dgm:cxn modelId="{E37FDFC4-0AB6-4F7E-BBCD-96B93D604D45}" srcId="{1C625F2A-FE72-45AA-9600-CDAF3F61B844}" destId="{FD9D19D4-0E4C-402E-8A04-EF4DAF2BC48E}" srcOrd="0" destOrd="0" parTransId="{992659D6-BF47-40C6-9DF0-E02AD95CC809}" sibTransId="{0316B9A7-EB9C-422D-A8BA-240FD791F75D}"/>
     <dgm:cxn modelId="{C86B4287-43B4-49C5-AFEE-BACCC61D4483}" type="presOf" srcId="{FD9D19D4-0E4C-402E-8A04-EF4DAF2BC48E}" destId="{21467B2C-1303-4CEB-8C25-CFB598F88955}" srcOrd="0" destOrd="0" presId="urn:microsoft.com/office/officeart/2005/8/layout/hierarchy4"/>
-    <dgm:cxn modelId="{F7FA1902-7A76-4216-B6C4-0AE29851ED33}" srcId="{1C625F2A-FE72-45AA-9600-CDAF3F61B844}" destId="{08D5F0A4-16D6-4CF1-BFB1-7409ADD1584D}" srcOrd="1" destOrd="0" parTransId="{09A80543-08C7-4C12-B276-A28D67716154}" sibTransId="{CCFA1855-709E-4DF7-B7FA-CF40E711921A}"/>
-    <dgm:cxn modelId="{B8F3B834-93BB-40FF-8B60-609A181C58F1}" srcId="{1C625F2A-FE72-45AA-9600-CDAF3F61B844}" destId="{509F9BE9-4137-4609-9A90-3894AD1E7933}" srcOrd="2" destOrd="0" parTransId="{6E3ABEA4-F6A7-4AC0-8B9A-1ECABBCF57CF}" sibTransId="{2CB1DF59-05C1-46ED-ACF5-374BA18B7741}"/>
-    <dgm:cxn modelId="{C7B443CA-90D9-4080-A160-0A96909BE1C2}" srcId="{A1DFB07F-AC39-4CB3-B3CA-E389E512B2A4}" destId="{1C625F2A-FE72-45AA-9600-CDAF3F61B844}" srcOrd="0" destOrd="0" parTransId="{06029871-02D0-4C17-8B34-20BE0166D3DB}" sibTransId="{C763F3C8-60B7-4C05-A1CD-CA4375FA30E6}"/>
-    <dgm:cxn modelId="{455F1068-F58B-4703-8D8B-D7E18A272B5E}" type="presOf" srcId="{A1DFB07F-AC39-4CB3-B3CA-E389E512B2A4}" destId="{F76C0F11-4C30-4321-A5BC-BEBC6577D681}" srcOrd="0" destOrd="0" presId="urn:microsoft.com/office/officeart/2005/8/layout/hierarchy4"/>
-    <dgm:cxn modelId="{755082BC-9A4D-4E5E-B16D-CAE1A40332B8}" type="presOf" srcId="{08D5F0A4-16D6-4CF1-BFB1-7409ADD1584D}" destId="{EE723D86-4C37-4804-B40B-3E76095C48F1}" srcOrd="0" destOrd="0" presId="urn:microsoft.com/office/officeart/2005/8/layout/hierarchy4"/>
-    <dgm:cxn modelId="{E37FDFC4-0AB6-4F7E-BBCD-96B93D604D45}" srcId="{1C625F2A-FE72-45AA-9600-CDAF3F61B844}" destId="{FD9D19D4-0E4C-402E-8A04-EF4DAF2BC48E}" srcOrd="0" destOrd="0" parTransId="{992659D6-BF47-40C6-9DF0-E02AD95CC809}" sibTransId="{0316B9A7-EB9C-422D-A8BA-240FD791F75D}"/>
     <dgm:cxn modelId="{D7A93B3D-10C6-4C3D-97A2-B4C2C732B47F}" type="presParOf" srcId="{F76C0F11-4C30-4321-A5BC-BEBC6577D681}" destId="{BF349F3A-1004-4F44-AD38-8CFEEDC0C3DC}" srcOrd="0" destOrd="0" presId="urn:microsoft.com/office/officeart/2005/8/layout/hierarchy4"/>
     <dgm:cxn modelId="{078E0DCB-D2EA-4115-A9CD-511E70D3AEDC}" type="presParOf" srcId="{BF349F3A-1004-4F44-AD38-8CFEEDC0C3DC}" destId="{7A88E86B-149A-4960-AD77-2DBB56F1B11C}" srcOrd="0" destOrd="0" presId="urn:microsoft.com/office/officeart/2005/8/layout/hierarchy4"/>
     <dgm:cxn modelId="{47C22BF7-3553-43E8-A979-82DC982DCE7A}" type="presParOf" srcId="{BF349F3A-1004-4F44-AD38-8CFEEDC0C3DC}" destId="{444C9A54-DE8D-41A2-851F-2E26972DDF61}" srcOrd="1" destOrd="0" presId="urn:microsoft.com/office/officeart/2005/8/layout/hierarchy4"/>
@@ -5599,7 +5643,7 @@
   <dgm:whole/>
   <dgm:extLst>
     <a:ext uri="http://schemas.microsoft.com/office/drawing/2008/diagram">
-      <dsp:dataModelExt xmlns:dsp="http://schemas.microsoft.com/office/drawing/2008/diagram" xmlns="" relId="rId9" minVer="http://schemas.openxmlformats.org/drawingml/2006/diagram"/>
+      <dsp:dataModelExt xmlns:dsp="http://schemas.microsoft.com/office/drawing/2008/diagram" relId="rId9" minVer="http://schemas.openxmlformats.org/drawingml/2006/diagram"/>
     </a:ext>
   </dgm:extLst>
 </dgm:dataModel>
@@ -5827,12 +5871,12 @@
     </dgm:pt>
   </dgm:ptLst>
   <dgm:cxnLst>
+    <dgm:cxn modelId="{8D9E9A44-09AF-4A01-8EEC-AB9B45E2AB38}" type="presOf" srcId="{97F17859-4C9B-4C87-BFA7-8ACD69F2994A}" destId="{C76BA95A-D8CD-4B0E-8B33-DE33A06D4E07}" srcOrd="0" destOrd="0" presId="urn:microsoft.com/office/officeart/2005/8/layout/pyramid2"/>
+    <dgm:cxn modelId="{7B5B1928-4665-4353-B5B6-63950F9E2C93}" srcId="{34A19C89-BCFD-4CB9-B68A-93AC208C27C9}" destId="{CE41B67D-61B1-4804-9860-440752F7E5CF}" srcOrd="0" destOrd="0" parTransId="{0EB73162-11B4-42DA-BBE2-B8239964FA90}" sibTransId="{3A48794A-1B9E-49A0-9E1B-049406638D94}"/>
+    <dgm:cxn modelId="{20507998-9710-4F67-BCBD-6D4D5C948F86}" type="presOf" srcId="{458F19B8-BF5C-469C-ADC5-E0521236523B}" destId="{2DA0A7AD-E180-4265-A092-5FFE4819E2D5}" srcOrd="0" destOrd="0" presId="urn:microsoft.com/office/officeart/2005/8/layout/pyramid2"/>
     <dgm:cxn modelId="{0E28C955-A2F7-4B72-8ACC-74BF6C74051C}" srcId="{34A19C89-BCFD-4CB9-B68A-93AC208C27C9}" destId="{458F19B8-BF5C-469C-ADC5-E0521236523B}" srcOrd="1" destOrd="0" parTransId="{F086A113-B829-469E-BF3D-F58B2107789D}" sibTransId="{469B9042-0577-4102-B005-0E2703A34F24}"/>
-    <dgm:cxn modelId="{7B5B1928-4665-4353-B5B6-63950F9E2C93}" srcId="{34A19C89-BCFD-4CB9-B68A-93AC208C27C9}" destId="{CE41B67D-61B1-4804-9860-440752F7E5CF}" srcOrd="0" destOrd="0" parTransId="{0EB73162-11B4-42DA-BBE2-B8239964FA90}" sibTransId="{3A48794A-1B9E-49A0-9E1B-049406638D94}"/>
+    <dgm:cxn modelId="{223B03E2-6B64-40E1-BF7A-CD3193409F8D}" type="presOf" srcId="{CE41B67D-61B1-4804-9860-440752F7E5CF}" destId="{DB2B4006-310A-4229-9C24-7B1582A56690}" srcOrd="0" destOrd="0" presId="urn:microsoft.com/office/officeart/2005/8/layout/pyramid2"/>
     <dgm:cxn modelId="{800173F2-AD5F-4DB0-9735-99AD05D5627F}" type="presOf" srcId="{34A19C89-BCFD-4CB9-B68A-93AC208C27C9}" destId="{0FBB877D-B78D-47F7-92F6-75F96A56B468}" srcOrd="0" destOrd="0" presId="urn:microsoft.com/office/officeart/2005/8/layout/pyramid2"/>
-    <dgm:cxn modelId="{223B03E2-6B64-40E1-BF7A-CD3193409F8D}" type="presOf" srcId="{CE41B67D-61B1-4804-9860-440752F7E5CF}" destId="{DB2B4006-310A-4229-9C24-7B1582A56690}" srcOrd="0" destOrd="0" presId="urn:microsoft.com/office/officeart/2005/8/layout/pyramid2"/>
-    <dgm:cxn modelId="{20507998-9710-4F67-BCBD-6D4D5C948F86}" type="presOf" srcId="{458F19B8-BF5C-469C-ADC5-E0521236523B}" destId="{2DA0A7AD-E180-4265-A092-5FFE4819E2D5}" srcOrd="0" destOrd="0" presId="urn:microsoft.com/office/officeart/2005/8/layout/pyramid2"/>
-    <dgm:cxn modelId="{8D9E9A44-09AF-4A01-8EEC-AB9B45E2AB38}" type="presOf" srcId="{97F17859-4C9B-4C87-BFA7-8ACD69F2994A}" destId="{C76BA95A-D8CD-4B0E-8B33-DE33A06D4E07}" srcOrd="0" destOrd="0" presId="urn:microsoft.com/office/officeart/2005/8/layout/pyramid2"/>
     <dgm:cxn modelId="{C653CB8D-05E5-411A-8905-B56CF855821A}" srcId="{34A19C89-BCFD-4CB9-B68A-93AC208C27C9}" destId="{97F17859-4C9B-4C87-BFA7-8ACD69F2994A}" srcOrd="2" destOrd="0" parTransId="{033CB4D1-2A68-4EA5-8B2E-E693B1C735A3}" sibTransId="{DBFF7CA2-3A44-4658-B89D-08BD180B6920}"/>
     <dgm:cxn modelId="{25F56A73-1F6D-491A-A25F-F6457020C4FE}" type="presParOf" srcId="{0FBB877D-B78D-47F7-92F6-75F96A56B468}" destId="{AB82A649-583F-4229-AB98-8BB80644F02D}" srcOrd="0" destOrd="0" presId="urn:microsoft.com/office/officeart/2005/8/layout/pyramid2"/>
     <dgm:cxn modelId="{8A4DB902-AE80-47AD-9C65-F9339E16B8A6}" type="presParOf" srcId="{0FBB877D-B78D-47F7-92F6-75F96A56B468}" destId="{F081B069-C6AB-48D7-856E-1C35F84927FC}" srcOrd="1" destOrd="0" presId="urn:microsoft.com/office/officeart/2005/8/layout/pyramid2"/>
@@ -5847,14 +5891,14 @@
   <dgm:whole/>
   <dgm:extLst>
     <a:ext uri="http://schemas.microsoft.com/office/drawing/2008/diagram">
-      <dsp:dataModelExt xmlns:dsp="http://schemas.microsoft.com/office/drawing/2008/diagram" xmlns="" relId="rId10" minVer="http://schemas.openxmlformats.org/drawingml/2006/diagram"/>
+      <dsp:dataModelExt xmlns:dsp="http://schemas.microsoft.com/office/drawing/2008/diagram" relId="rId10" minVer="http://schemas.openxmlformats.org/drawingml/2006/diagram"/>
     </a:ext>
   </dgm:extLst>
 </dgm:dataModel>
 </file>
 
 <file path=ppt/diagrams/drawing1.xml><?xml version="1.0" encoding="utf-8"?>
-<dsp:drawing xmlns:dgm="http://schemas.openxmlformats.org/drawingml/2006/diagram" xmlns:a="http://schemas.openxmlformats.org/drawingml/2006/main" xmlns:dsp="http://schemas.microsoft.com/office/drawing/2008/diagram">
+<dsp:drawing xmlns:dgm="http://schemas.openxmlformats.org/drawingml/2006/diagram" xmlns:dsp="http://schemas.microsoft.com/office/drawing/2008/diagram" xmlns:a="http://schemas.openxmlformats.org/drawingml/2006/main">
   <dsp:spTree>
     <dsp:nvGrpSpPr>
       <dsp:cNvPr id="0" name=""/>
@@ -6167,19 +6211,15 @@
           </a:r>
           <a:r>
             <a:rPr lang="en-US" sz="2200" kern="1200" dirty="0" smtClean="0"/>
-            <a:t> de </a:t>
+            <a:t> </a:t>
+          </a:r>
+          <a:r>
+            <a:rPr lang="en-US" sz="2200" kern="1200" dirty="0" smtClean="0"/>
+            <a:t>de </a:t>
           </a:r>
           <a:r>
             <a:rPr lang="en-US" sz="2200" kern="1200" dirty="0" err="1" smtClean="0"/>
-            <a:t>Impacto</a:t>
-          </a:r>
-          <a:r>
-            <a:rPr lang="en-US" sz="2200" kern="1200" dirty="0" smtClean="0"/>
-            <a:t> </a:t>
-          </a:r>
-          <a:r>
-            <a:rPr lang="en-US" sz="2200" kern="1200" dirty="0" err="1" smtClean="0"/>
-            <a:t>Ambiental</a:t>
+            <a:t>Logística</a:t>
           </a:r>
           <a:endParaRPr lang="es-PE" sz="2200" kern="1200" dirty="0"/>
         </a:p>
@@ -7030,7 +7070,7 @@
 </file>
 
 <file path=ppt/diagrams/drawing2.xml><?xml version="1.0" encoding="utf-8"?>
-<dsp:drawing xmlns:dgm="http://schemas.openxmlformats.org/drawingml/2006/diagram" xmlns:a="http://schemas.openxmlformats.org/drawingml/2006/main" xmlns:dsp="http://schemas.microsoft.com/office/drawing/2008/diagram">
+<dsp:drawing xmlns:dgm="http://schemas.openxmlformats.org/drawingml/2006/diagram" xmlns:dsp="http://schemas.microsoft.com/office/drawing/2008/diagram" xmlns:a="http://schemas.openxmlformats.org/drawingml/2006/main">
   <dsp:spTree>
     <dsp:nvGrpSpPr>
       <dsp:cNvPr id="0" name=""/>
@@ -7297,10 +7337,10 @@
           <a:pathLst>
             <a:path>
               <a:moveTo>
-                <a:pt x="58696" y="0"/>
+                <a:pt x="48654" y="0"/>
               </a:moveTo>
               <a:lnTo>
-                <a:pt x="58696" y="162158"/>
+                <a:pt x="48654" y="162158"/>
               </a:lnTo>
               <a:lnTo>
                 <a:pt x="45720" y="162158"/>
@@ -7346,7 +7386,7 @@
       </dsp:nvSpPr>
       <dsp:spPr>
         <a:xfrm>
-          <a:off x="2170277" y="0"/>
+          <a:off x="2160235" y="0"/>
           <a:ext cx="1792937" cy="893950"/>
         </a:xfrm>
         <a:prstGeom prst="rect">
@@ -7395,12 +7435,12 @@
         </a:fontRef>
       </dsp:style>
       <dsp:txBody>
-        <a:bodyPr spcFirstLastPara="0" vert="horz" wrap="square" lIns="8255" tIns="8255" rIns="8255" bIns="97695" numCol="1" spcCol="1270" anchor="ctr" anchorCtr="0">
+        <a:bodyPr spcFirstLastPara="0" vert="horz" wrap="square" lIns="6350" tIns="6350" rIns="6350" bIns="97695" numCol="1" spcCol="1270" anchor="ctr" anchorCtr="0">
           <a:noAutofit/>
         </a:bodyPr>
         <a:lstStyle/>
         <a:p>
-          <a:pPr lvl="0" algn="ctr" defTabSz="577850">
+          <a:pPr lvl="0" algn="ctr" defTabSz="444500">
             <a:lnSpc>
               <a:spcPct val="90000"/>
             </a:lnSpc>
@@ -7412,12 +7452,12 @@
             </a:spcAft>
           </a:pPr>
           <a:r>
-            <a:rPr lang="es-PE" sz="1300" kern="1200" smtClean="0"/>
+            <a:rPr lang="es-PE" sz="1000" kern="1200" dirty="0" smtClean="0"/>
             <a:t>Jorge Cabrera</a:t>
           </a:r>
         </a:p>
         <a:p>
-          <a:pPr lvl="0" algn="ctr" defTabSz="577850">
+          <a:pPr lvl="0" algn="ctr" defTabSz="444500">
             <a:lnSpc>
               <a:spcPct val="90000"/>
             </a:lnSpc>
@@ -7429,12 +7469,12 @@
             </a:spcAft>
           </a:pPr>
           <a:r>
-            <a:rPr lang="es-PE" sz="1300" kern="1200" smtClean="0"/>
+            <a:rPr lang="es-PE" sz="1000" kern="1200" dirty="0" smtClean="0"/>
             <a:t>Rosario Villalta</a:t>
           </a:r>
         </a:p>
         <a:p>
-          <a:pPr lvl="0" algn="ctr" defTabSz="577850">
+          <a:pPr lvl="0" algn="ctr" defTabSz="444500">
             <a:lnSpc>
               <a:spcPct val="90000"/>
             </a:lnSpc>
@@ -7446,14 +7486,39 @@
             </a:spcAft>
           </a:pPr>
           <a:r>
-            <a:rPr lang="es-PE" sz="1300" kern="1200" smtClean="0"/>
-            <a:t>Carlos Raymundo</a:t>
+            <a:rPr lang="es-PE" sz="1000" kern="1200" dirty="0" smtClean="0"/>
+            <a:t>Carlos </a:t>
           </a:r>
-          <a:endParaRPr lang="en-US" sz="1300" kern="1200" dirty="0"/>
+          <a:r>
+            <a:rPr lang="es-PE" sz="1000" kern="1200" dirty="0" smtClean="0"/>
+            <a:t>Raymundo</a:t>
+          </a:r>
+        </a:p>
+        <a:p>
+          <a:pPr lvl="0" algn="ctr" defTabSz="444500">
+            <a:lnSpc>
+              <a:spcPct val="90000"/>
+            </a:lnSpc>
+            <a:spcBef>
+              <a:spcPct val="0"/>
+            </a:spcBef>
+            <a:spcAft>
+              <a:spcPct val="35000"/>
+            </a:spcAft>
+          </a:pPr>
+          <a:r>
+            <a:rPr lang="es-PE" sz="1000" kern="1200" dirty="0" smtClean="0"/>
+            <a:t>Amanda </a:t>
+          </a:r>
+          <a:r>
+            <a:rPr lang="es-PE" sz="1000" kern="1200" dirty="0" err="1" smtClean="0"/>
+            <a:t>Sanchez</a:t>
+          </a:r>
+          <a:endParaRPr lang="en-US" sz="1000" kern="1200" dirty="0"/>
         </a:p>
       </dsp:txBody>
       <dsp:txXfrm>
-        <a:off x="2170277" y="0"/>
+        <a:off x="2160235" y="0"/>
         <a:ext cx="1792937" cy="893950"/>
       </dsp:txXfrm>
     </dsp:sp>
@@ -7602,12 +7667,12 @@
         </a:fontRef>
       </dsp:style>
       <dsp:txBody>
-        <a:bodyPr spcFirstLastPara="0" vert="horz" wrap="square" lIns="8255" tIns="8255" rIns="8255" bIns="97695" numCol="1" spcCol="1270" anchor="ctr" anchorCtr="0">
+        <a:bodyPr spcFirstLastPara="0" vert="horz" wrap="square" lIns="7620" tIns="7620" rIns="7620" bIns="97695" numCol="1" spcCol="1270" anchor="ctr" anchorCtr="0">
           <a:noAutofit/>
         </a:bodyPr>
         <a:lstStyle/>
         <a:p>
-          <a:pPr lvl="0" algn="ctr" defTabSz="577850">
+          <a:pPr lvl="0" algn="ctr" defTabSz="533400">
             <a:lnSpc>
               <a:spcPct val="90000"/>
             </a:lnSpc>
@@ -7619,14 +7684,14 @@
             </a:spcAft>
           </a:pPr>
           <a:r>
-            <a:rPr lang="en-US" sz="1300" kern="1200" dirty="0" smtClean="0"/>
+            <a:rPr lang="en-US" sz="1200" kern="1200" dirty="0" smtClean="0"/>
             <a:t>Jimmy </a:t>
           </a:r>
           <a:r>
-            <a:rPr lang="en-US" sz="1300" kern="1200" dirty="0" err="1" smtClean="0"/>
+            <a:rPr lang="en-US" sz="1200" kern="1200" dirty="0" err="1" smtClean="0"/>
             <a:t>Armas</a:t>
           </a:r>
-          <a:endParaRPr lang="en-US" sz="1300" kern="1200" dirty="0"/>
+          <a:endParaRPr lang="en-US" sz="1200" kern="1200" dirty="0"/>
         </a:p>
       </dsp:txBody>
       <dsp:txXfrm>
@@ -7775,12 +7840,12 @@
         </a:fontRef>
       </dsp:style>
       <dsp:txBody>
-        <a:bodyPr spcFirstLastPara="0" vert="horz" wrap="square" lIns="8255" tIns="8255" rIns="8255" bIns="97695" numCol="1" spcCol="1270" anchor="ctr" anchorCtr="0">
+        <a:bodyPr spcFirstLastPara="0" vert="horz" wrap="square" lIns="7620" tIns="7620" rIns="7620" bIns="97695" numCol="1" spcCol="1270" anchor="ctr" anchorCtr="0">
           <a:noAutofit/>
         </a:bodyPr>
         <a:lstStyle/>
         <a:p>
-          <a:pPr lvl="0" algn="ctr" defTabSz="577850">
+          <a:pPr lvl="0" algn="ctr" defTabSz="533400">
             <a:lnSpc>
               <a:spcPct val="90000"/>
             </a:lnSpc>
@@ -7792,14 +7857,14 @@
             </a:spcAft>
           </a:pPr>
           <a:r>
-            <a:rPr lang="en-US" sz="1300" kern="1200" dirty="0" err="1" smtClean="0"/>
+            <a:rPr lang="en-US" sz="1200" kern="1200" dirty="0" err="1" smtClean="0"/>
             <a:t>Kaya</a:t>
           </a:r>
           <a:r>
-            <a:rPr lang="en-US" sz="1300" kern="1200" dirty="0" smtClean="0"/>
+            <a:rPr lang="en-US" sz="1200" kern="1200" dirty="0" smtClean="0"/>
             <a:t> Marina</a:t>
           </a:r>
-          <a:endParaRPr lang="es-PE" sz="1300" kern="1200" dirty="0"/>
+          <a:endParaRPr lang="es-PE" sz="1200" kern="1200" dirty="0"/>
         </a:p>
       </dsp:txBody>
       <dsp:txXfrm>
@@ -7964,12 +8029,12 @@
         </a:fontRef>
       </dsp:style>
       <dsp:txBody>
-        <a:bodyPr spcFirstLastPara="0" vert="horz" wrap="square" lIns="8255" tIns="8255" rIns="8255" bIns="97695" numCol="1" spcCol="1270" anchor="ctr" anchorCtr="0">
+        <a:bodyPr spcFirstLastPara="0" vert="horz" wrap="square" lIns="7620" tIns="7620" rIns="7620" bIns="97695" numCol="1" spcCol="1270" anchor="ctr" anchorCtr="0">
           <a:noAutofit/>
         </a:bodyPr>
         <a:lstStyle/>
         <a:p>
-          <a:pPr lvl="0" algn="ctr" defTabSz="577850">
+          <a:pPr lvl="0" algn="ctr" defTabSz="533400">
             <a:lnSpc>
               <a:spcPct val="90000"/>
             </a:lnSpc>
@@ -7981,14 +8046,14 @@
             </a:spcAft>
           </a:pPr>
           <a:r>
-            <a:rPr lang="en-US" sz="1300" kern="1200" dirty="0" smtClean="0"/>
+            <a:rPr lang="en-US" sz="1200" kern="1200" dirty="0" smtClean="0"/>
             <a:t>Sandra Tovar </a:t>
           </a:r>
           <a:r>
-            <a:rPr lang="en-US" sz="1300" kern="1200" dirty="0" err="1" smtClean="0"/>
+            <a:rPr lang="en-US" sz="1200" kern="1200" dirty="0" err="1" smtClean="0"/>
             <a:t>Yachachin</a:t>
           </a:r>
-          <a:endParaRPr lang="es-PE" sz="1300" kern="1200" dirty="0"/>
+          <a:endParaRPr lang="es-PE" sz="1200" kern="1200" dirty="0"/>
         </a:p>
       </dsp:txBody>
       <dsp:txXfrm>
@@ -8137,12 +8202,12 @@
         </a:fontRef>
       </dsp:style>
       <dsp:txBody>
-        <a:bodyPr spcFirstLastPara="0" vert="horz" wrap="square" lIns="8255" tIns="8255" rIns="8255" bIns="97695" numCol="1" spcCol="1270" anchor="ctr" anchorCtr="0">
+        <a:bodyPr spcFirstLastPara="0" vert="horz" wrap="square" lIns="7620" tIns="7620" rIns="7620" bIns="97695" numCol="1" spcCol="1270" anchor="ctr" anchorCtr="0">
           <a:noAutofit/>
         </a:bodyPr>
         <a:lstStyle/>
         <a:p>
-          <a:pPr lvl="0" algn="ctr" defTabSz="577850">
+          <a:pPr lvl="0" algn="ctr" defTabSz="533400">
             <a:lnSpc>
               <a:spcPct val="90000"/>
             </a:lnSpc>
@@ -8154,18 +8219,18 @@
             </a:spcAft>
           </a:pPr>
           <a:r>
-            <a:rPr lang="en-US" sz="1300" kern="1200" dirty="0" smtClean="0"/>
+            <a:rPr lang="en-US" sz="1200" kern="1200" dirty="0" smtClean="0"/>
             <a:t>Cindy </a:t>
           </a:r>
           <a:r>
-            <a:rPr lang="en-US" sz="1300" kern="1200" dirty="0" err="1" smtClean="0"/>
+            <a:rPr lang="en-US" sz="1200" kern="1200" dirty="0" err="1" smtClean="0"/>
             <a:t>Briones</a:t>
           </a:r>
           <a:r>
-            <a:rPr lang="en-US" sz="1300" kern="1200" dirty="0" smtClean="0"/>
+            <a:rPr lang="en-US" sz="1200" kern="1200" dirty="0" smtClean="0"/>
             <a:t> Flores</a:t>
           </a:r>
-          <a:endParaRPr lang="es-PE" sz="1300" kern="1200" dirty="0"/>
+          <a:endParaRPr lang="es-PE" sz="1200" kern="1200" dirty="0"/>
         </a:p>
       </dsp:txBody>
       <dsp:txXfrm>
@@ -8314,12 +8379,12 @@
         </a:fontRef>
       </dsp:style>
       <dsp:txBody>
-        <a:bodyPr spcFirstLastPara="0" vert="horz" wrap="square" lIns="8255" tIns="8255" rIns="8255" bIns="97695" numCol="1" spcCol="1270" anchor="ctr" anchorCtr="0">
+        <a:bodyPr spcFirstLastPara="0" vert="horz" wrap="square" lIns="7620" tIns="7620" rIns="7620" bIns="97695" numCol="1" spcCol="1270" anchor="ctr" anchorCtr="0">
           <a:noAutofit/>
         </a:bodyPr>
         <a:lstStyle/>
         <a:p>
-          <a:pPr lvl="0" algn="ctr" defTabSz="577850">
+          <a:pPr lvl="0" algn="ctr" defTabSz="533400">
             <a:lnSpc>
               <a:spcPct val="90000"/>
             </a:lnSpc>
@@ -8331,14 +8396,14 @@
             </a:spcAft>
           </a:pPr>
           <a:r>
-            <a:rPr lang="es-PE" sz="1300" kern="1200" dirty="0" smtClean="0"/>
+            <a:rPr lang="es-PE" sz="1200" kern="1200" dirty="0" smtClean="0"/>
             <a:t>Mariana </a:t>
           </a:r>
           <a:r>
-            <a:rPr lang="es-PE" sz="1300" kern="1200" dirty="0" err="1" smtClean="0"/>
+            <a:rPr lang="es-PE" sz="1200" kern="1200" dirty="0" err="1" smtClean="0"/>
             <a:t>Abugatas</a:t>
           </a:r>
-          <a:endParaRPr lang="es-PE" sz="1300" kern="1200" dirty="0"/>
+          <a:endParaRPr lang="es-PE" sz="1200" kern="1200" dirty="0"/>
         </a:p>
       </dsp:txBody>
       <dsp:txXfrm>
@@ -8428,7 +8493,7 @@
 </file>
 
 <file path=ppt/diagrams/drawing3.xml><?xml version="1.0" encoding="utf-8"?>
-<dsp:drawing xmlns:dgm="http://schemas.openxmlformats.org/drawingml/2006/diagram" xmlns:a="http://schemas.openxmlformats.org/drawingml/2006/main" xmlns:dsp="http://schemas.microsoft.com/office/drawing/2008/diagram">
+<dsp:drawing xmlns:dgm="http://schemas.openxmlformats.org/drawingml/2006/diagram" xmlns:dsp="http://schemas.microsoft.com/office/drawing/2008/diagram" xmlns:a="http://schemas.openxmlformats.org/drawingml/2006/main">
   <dsp:spTree>
     <dsp:nvGrpSpPr>
       <dsp:cNvPr id="0" name=""/>
@@ -8543,8 +8608,8 @@
         </a:p>
       </dsp:txBody>
       <dsp:txXfrm>
-        <a:off x="1343145" y="1065"/>
-        <a:ext cx="5090573" cy="2098349"/>
+        <a:off x="1404604" y="62524"/>
+        <a:ext cx="4967655" cy="1975431"/>
       </dsp:txXfrm>
     </dsp:sp>
     <dsp:sp modelId="{21467B2C-1303-4CEB-8C25-CFB598F88955}">
@@ -8653,8 +8718,8 @@
         </a:p>
       </dsp:txBody>
       <dsp:txXfrm>
-        <a:off x="2794" y="2314189"/>
-        <a:ext cx="2453053" cy="2252801"/>
+        <a:off x="68776" y="2380171"/>
+        <a:ext cx="2321089" cy="2120837"/>
       </dsp:txXfrm>
     </dsp:sp>
     <dsp:sp modelId="{EE723D86-4C37-4804-B40B-3E76095C48F1}">
@@ -8759,8 +8824,8 @@
         </a:p>
       </dsp:txBody>
       <dsp:txXfrm>
-        <a:off x="2661905" y="2314189"/>
-        <a:ext cx="2453053" cy="2252801"/>
+        <a:off x="2727887" y="2380171"/>
+        <a:ext cx="2321089" cy="2120837"/>
       </dsp:txXfrm>
     </dsp:sp>
     <dsp:sp modelId="{97F8B434-2F28-4662-B6C2-14B425398A98}">
@@ -8865,8 +8930,8 @@
         </a:p>
       </dsp:txBody>
       <dsp:txXfrm>
-        <a:off x="5321015" y="2314189"/>
-        <a:ext cx="2453053" cy="2252801"/>
+        <a:off x="5386997" y="2380171"/>
+        <a:ext cx="2321089" cy="2120837"/>
       </dsp:txXfrm>
     </dsp:sp>
   </dsp:spTree>
@@ -8874,7 +8939,7 @@
 </file>
 
 <file path=ppt/diagrams/drawing4.xml><?xml version="1.0" encoding="utf-8"?>
-<dsp:drawing xmlns:dgm="http://schemas.openxmlformats.org/drawingml/2006/diagram" xmlns:a="http://schemas.openxmlformats.org/drawingml/2006/main" xmlns:dsp="http://schemas.microsoft.com/office/drawing/2008/diagram">
+<dsp:drawing xmlns:dgm="http://schemas.openxmlformats.org/drawingml/2006/diagram" xmlns:dsp="http://schemas.microsoft.com/office/drawing/2008/diagram" xmlns:a="http://schemas.openxmlformats.org/drawingml/2006/main">
   <dsp:spTree>
     <dsp:nvGrpSpPr>
       <dsp:cNvPr id="0" name=""/>
@@ -9000,8 +9065,8 @@
         </a:p>
       </dsp:txBody>
       <dsp:txXfrm>
-        <a:off x="1375829" y="429715"/>
-        <a:ext cx="3982848" cy="821925"/>
+        <a:off x="1415952" y="469838"/>
+        <a:ext cx="3902602" cy="741679"/>
       </dsp:txXfrm>
     </dsp:sp>
     <dsp:sp modelId="{2DA0A7AD-E180-4265-A092-5FFE4819E2D5}">
@@ -9076,8 +9141,8 @@
         </a:p>
       </dsp:txBody>
       <dsp:txXfrm>
-        <a:off x="1375840" y="1416614"/>
-        <a:ext cx="3996367" cy="821925"/>
+        <a:off x="1415963" y="1456737"/>
+        <a:ext cx="3916121" cy="741679"/>
       </dsp:txXfrm>
     </dsp:sp>
     <dsp:sp modelId="{C76BA95A-D8CD-4B0E-8B33-DE33A06D4E07}">
@@ -9152,8 +9217,8 @@
         </a:p>
       </dsp:txBody>
       <dsp:txXfrm>
-        <a:off x="1375829" y="2403508"/>
-        <a:ext cx="4003115" cy="821925"/>
+        <a:off x="1415952" y="2443631"/>
+        <a:ext cx="3922869" cy="741679"/>
       </dsp:txXfrm>
     </dsp:sp>
   </dsp:spTree>
@@ -16660,7 +16725,7 @@
     </p:spTree>
     <p:extLst>
       <p:ext uri="{BB962C8B-B14F-4D97-AF65-F5344CB8AC3E}">
-        <p14:creationId xmlns="" xmlns:p14="http://schemas.microsoft.com/office/powerpoint/2010/main" val="1586905226"/>
+        <p14:creationId xmlns:p14="http://schemas.microsoft.com/office/powerpoint/2010/main" val="1586905226"/>
       </p:ext>
     </p:extLst>
   </p:cSld>
@@ -20528,7 +20593,7 @@
           <p:nvPr>
             <p:extLst>
               <p:ext uri="{D42A27DB-BD31-4B8C-83A1-F6EECF244321}">
-                <p14:modId xmlns="" xmlns:p14="http://schemas.microsoft.com/office/powerpoint/2010/main" val="3808815981"/>
+                <p14:modId xmlns:p14="http://schemas.microsoft.com/office/powerpoint/2010/main" val="3808815981"/>
               </p:ext>
             </p:extLst>
           </p:nvPr>
@@ -20730,7 +20795,7 @@
           <p:nvPr>
             <p:extLst>
               <p:ext uri="{D42A27DB-BD31-4B8C-83A1-F6EECF244321}">
-                <p14:modId xmlns="" xmlns:p14="http://schemas.microsoft.com/office/powerpoint/2010/main" val="3574471357"/>
+                <p14:modId xmlns:p14="http://schemas.microsoft.com/office/powerpoint/2010/main" val="3574471357"/>
               </p:ext>
             </p:extLst>
           </p:nvPr>
@@ -20997,44 +21062,6 @@
           </a:p>
         </p:txBody>
       </p:sp>
-      <p:sp>
-        <p:nvSpPr>
-          <p:cNvPr id="28" name="27 Elipse"/>
-          <p:cNvSpPr/>
-          <p:nvPr/>
-        </p:nvSpPr>
-        <p:spPr>
-          <a:xfrm>
-            <a:off x="5832140" y="3068960"/>
-            <a:ext cx="216024" cy="216024"/>
-          </a:xfrm>
-          <a:prstGeom prst="ellipse">
-            <a:avLst/>
-          </a:prstGeom>
-        </p:spPr>
-        <p:style>
-          <a:lnRef idx="0">
-            <a:schemeClr val="accent6"/>
-          </a:lnRef>
-          <a:fillRef idx="3">
-            <a:schemeClr val="accent6"/>
-          </a:fillRef>
-          <a:effectRef idx="3">
-            <a:schemeClr val="accent6"/>
-          </a:effectRef>
-          <a:fontRef idx="minor">
-            <a:schemeClr val="lt1"/>
-          </a:fontRef>
-        </p:style>
-        <p:txBody>
-          <a:bodyPr rtlCol="0" anchor="ctr"/>
-          <a:lstStyle/>
-          <a:p>
-            <a:pPr algn="ctr"/>
-            <a:endParaRPr lang="es-PE"/>
-          </a:p>
-        </p:txBody>
-      </p:sp>
       <p:graphicFrame>
         <p:nvGraphicFramePr>
           <p:cNvPr id="31" name="30 Tabla"/>
@@ -21044,7 +21071,7 @@
           <p:nvPr>
             <p:extLst>
               <p:ext uri="{D42A27DB-BD31-4B8C-83A1-F6EECF244321}">
-                <p14:modId xmlns="" xmlns:p14="http://schemas.microsoft.com/office/powerpoint/2010/main" val="2659068792"/>
+                <p14:modId xmlns:p14="http://schemas.microsoft.com/office/powerpoint/2010/main" val="2659068792"/>
               </p:ext>
             </p:extLst>
           </p:nvPr>
@@ -21273,7 +21300,7 @@
           <p:nvPr>
             <p:extLst>
               <p:ext uri="{D42A27DB-BD31-4B8C-83A1-F6EECF244321}">
-                <p14:modId xmlns="" xmlns:p14="http://schemas.microsoft.com/office/powerpoint/2010/main" val="2832150445"/>
+                <p14:modId xmlns:p14="http://schemas.microsoft.com/office/powerpoint/2010/main" val="2832150445"/>
               </p:ext>
             </p:extLst>
           </p:nvPr>
@@ -21479,6 +21506,44 @@
           </a:fillRef>
           <a:effectRef idx="3">
             <a:schemeClr val="accent6"/>
+          </a:effectRef>
+          <a:fontRef idx="minor">
+            <a:schemeClr val="lt1"/>
+          </a:fontRef>
+        </p:style>
+        <p:txBody>
+          <a:bodyPr rtlCol="0" anchor="ctr"/>
+          <a:lstStyle/>
+          <a:p>
+            <a:pPr algn="ctr"/>
+            <a:endParaRPr lang="es-PE"/>
+          </a:p>
+        </p:txBody>
+      </p:sp>
+      <p:sp>
+        <p:nvSpPr>
+          <p:cNvPr id="29" name="28 Elipse"/>
+          <p:cNvSpPr/>
+          <p:nvPr/>
+        </p:nvSpPr>
+        <p:spPr>
+          <a:xfrm>
+            <a:off x="5832140" y="3032238"/>
+            <a:ext cx="216024" cy="216024"/>
+          </a:xfrm>
+          <a:prstGeom prst="ellipse">
+            <a:avLst/>
+          </a:prstGeom>
+        </p:spPr>
+        <p:style>
+          <a:lnRef idx="0">
+            <a:schemeClr val="accent2"/>
+          </a:lnRef>
+          <a:fillRef idx="3">
+            <a:schemeClr val="accent2"/>
+          </a:fillRef>
+          <a:effectRef idx="3">
+            <a:schemeClr val="accent2"/>
           </a:effectRef>
           <a:fontRef idx="minor">
             <a:schemeClr val="lt1"/>
@@ -22770,7 +22835,7 @@
           <p:nvPr>
             <p:extLst>
               <p:ext uri="{D42A27DB-BD31-4B8C-83A1-F6EECF244321}">
-                <p14:modId xmlns="" xmlns:p14="http://schemas.microsoft.com/office/powerpoint/2010/main" val="2133029002"/>
+                <p14:modId xmlns:p14="http://schemas.microsoft.com/office/powerpoint/2010/main" val="2133029002"/>
               </p:ext>
             </p:extLst>
           </p:nvPr>
@@ -23341,7 +23406,7 @@
           <p:nvPr>
             <p:extLst>
               <p:ext uri="{D42A27DB-BD31-4B8C-83A1-F6EECF244321}">
-                <p14:modId xmlns="" xmlns:p14="http://schemas.microsoft.com/office/powerpoint/2010/main" val="2044608021"/>
+                <p14:modId xmlns:p14="http://schemas.microsoft.com/office/powerpoint/2010/main" val="2044608021"/>
               </p:ext>
             </p:extLst>
           </p:nvPr>
@@ -25806,7 +25871,7 @@
           <p:nvPr>
             <p:extLst>
               <p:ext uri="{D42A27DB-BD31-4B8C-83A1-F6EECF244321}">
-                <p14:modId xmlns="" xmlns:p14="http://schemas.microsoft.com/office/powerpoint/2010/main" val="4126859868"/>
+                <p14:modId xmlns:p14="http://schemas.microsoft.com/office/powerpoint/2010/main" val="4126859868"/>
               </p:ext>
             </p:extLst>
           </p:nvPr>
@@ -26260,7 +26325,7 @@
           <p:nvPr>
             <p:extLst>
               <p:ext uri="{D42A27DB-BD31-4B8C-83A1-F6EECF244321}">
-                <p14:modId xmlns="" xmlns:p14="http://schemas.microsoft.com/office/powerpoint/2010/main" val="1503148034"/>
+                <p14:modId xmlns:p14="http://schemas.microsoft.com/office/powerpoint/2010/main" val="1503148034"/>
               </p:ext>
             </p:extLst>
           </p:nvPr>
@@ -27319,7 +27384,7 @@
     </p:spTree>
     <p:extLst>
       <p:ext uri="{BB962C8B-B14F-4D97-AF65-F5344CB8AC3E}">
-        <p14:creationId xmlns="" xmlns:p14="http://schemas.microsoft.com/office/powerpoint/2010/main" val="204598419"/>
+        <p14:creationId xmlns:p14="http://schemas.microsoft.com/office/powerpoint/2010/main" val="204598419"/>
       </p:ext>
     </p:extLst>
   </p:cSld>
@@ -27605,7 +27670,7 @@
           <p:nvPr>
             <p:extLst>
               <p:ext uri="{D42A27DB-BD31-4B8C-83A1-F6EECF244321}">
-                <p14:modId xmlns="" xmlns:p14="http://schemas.microsoft.com/office/powerpoint/2010/main" val="1619042538"/>
+                <p14:modId xmlns:p14="http://schemas.microsoft.com/office/powerpoint/2010/main" val="1619042538"/>
               </p:ext>
             </p:extLst>
           </p:nvPr>
@@ -27629,7 +27694,7 @@
           <p:nvPr>
             <p:extLst>
               <p:ext uri="{D42A27DB-BD31-4B8C-83A1-F6EECF244321}">
-                <p14:modId xmlns="" xmlns:p14="http://schemas.microsoft.com/office/powerpoint/2010/main" val="1577869961"/>
+                <p14:modId xmlns:p14="http://schemas.microsoft.com/office/powerpoint/2010/main" val="1577869961"/>
               </p:ext>
             </p:extLst>
           </p:nvPr>
@@ -28144,7 +28209,7 @@
           <p:nvPr>
             <p:extLst>
               <p:ext uri="{D42A27DB-BD31-4B8C-83A1-F6EECF244321}">
-                <p14:modId xmlns="" xmlns:p14="http://schemas.microsoft.com/office/powerpoint/2010/main" val="1103115174"/>
+                <p14:modId xmlns:p14="http://schemas.microsoft.com/office/powerpoint/2010/main" val="1103115174"/>
               </p:ext>
             </p:extLst>
           </p:nvPr>
@@ -28801,7 +28866,7 @@
     </p:spTree>
     <p:extLst>
       <p:ext uri="{BB962C8B-B14F-4D97-AF65-F5344CB8AC3E}">
-        <p14:creationId xmlns="" xmlns:p14="http://schemas.microsoft.com/office/powerpoint/2010/main" val="1734571722"/>
+        <p14:creationId xmlns:p14="http://schemas.microsoft.com/office/powerpoint/2010/main" val="1734571722"/>
       </p:ext>
     </p:extLst>
   </p:cSld>
@@ -29291,7 +29356,7 @@
           <p:nvPr>
             <p:extLst>
               <p:ext uri="{D42A27DB-BD31-4B8C-83A1-F6EECF244321}">
-                <p14:modId xmlns="" xmlns:p14="http://schemas.microsoft.com/office/powerpoint/2010/main" val="765360466"/>
+                <p14:modId xmlns:p14="http://schemas.microsoft.com/office/powerpoint/2010/main" val="2493666067"/>
               </p:ext>
             </p:extLst>
           </p:nvPr>
@@ -30091,7 +30156,7 @@
           <a:blip r:embed="rId7" cstate="print">
             <a:extLst>
               <a:ext uri="{28A0092B-C50C-407E-A947-70E740481C1C}">
-                <a14:useLocalDpi xmlns="" xmlns:a14="http://schemas.microsoft.com/office/drawing/2010/main" val="0"/>
+                <a14:useLocalDpi xmlns:a14="http://schemas.microsoft.com/office/drawing/2010/main" val="0"/>
               </a:ext>
             </a:extLst>
           </a:blip>
@@ -30115,14 +30180,14 @@
           <a:effectLst/>
           <a:extLst>
             <a:ext uri="{909E8E84-426E-40DD-AFC4-6F175D3DCCD1}">
-              <a14:hiddenFill xmlns="" xmlns:a14="http://schemas.microsoft.com/office/drawing/2010/main">
+              <a14:hiddenFill xmlns:a14="http://schemas.microsoft.com/office/drawing/2010/main">
                 <a:solidFill>
                   <a:schemeClr val="accent1"/>
                 </a:solidFill>
               </a14:hiddenFill>
             </a:ext>
             <a:ext uri="{91240B29-F687-4F45-9708-019B960494DF}">
-              <a14:hiddenLine xmlns="" xmlns:a14="http://schemas.microsoft.com/office/drawing/2010/main" w="9525">
+              <a14:hiddenLine xmlns:a14="http://schemas.microsoft.com/office/drawing/2010/main" w="9525">
                 <a:solidFill>
                   <a:schemeClr val="tx1"/>
                 </a:solidFill>
@@ -30132,7 +30197,7 @@
               </a14:hiddenLine>
             </a:ext>
             <a:ext uri="{AF507438-7753-43E0-B8FC-AC1667EBCBE1}">
-              <a14:hiddenEffects xmlns="" xmlns:a14="http://schemas.microsoft.com/office/drawing/2010/main">
+              <a14:hiddenEffects xmlns:a14="http://schemas.microsoft.com/office/drawing/2010/main">
                 <a:effectLst>
                   <a:outerShdw dist="35921" dir="2700000" algn="ctr" rotWithShape="0">
                     <a:schemeClr val="bg2"/>
@@ -30858,7 +30923,7 @@
           <a:blip r:embed="rId5" cstate="print">
             <a:extLst>
               <a:ext uri="{28A0092B-C50C-407E-A947-70E740481C1C}">
-                <a14:useLocalDpi xmlns="" xmlns:a14="http://schemas.microsoft.com/office/drawing/2010/main" val="0"/>
+                <a14:useLocalDpi xmlns:a14="http://schemas.microsoft.com/office/drawing/2010/main" val="0"/>
               </a:ext>
             </a:extLst>
           </a:blip>
@@ -30888,7 +30953,7 @@
           <a:blip r:embed="rId6" cstate="print">
             <a:extLst>
               <a:ext uri="{28A0092B-C50C-407E-A947-70E740481C1C}">
-                <a14:useLocalDpi xmlns="" xmlns:a14="http://schemas.microsoft.com/office/drawing/2010/main" val="0"/>
+                <a14:useLocalDpi xmlns:a14="http://schemas.microsoft.com/office/drawing/2010/main" val="0"/>
               </a:ext>
             </a:extLst>
           </a:blip>
@@ -30918,7 +30983,7 @@
           <a:blip r:embed="rId7" cstate="print">
             <a:extLst>
               <a:ext uri="{28A0092B-C50C-407E-A947-70E740481C1C}">
-                <a14:useLocalDpi xmlns="" xmlns:a14="http://schemas.microsoft.com/office/drawing/2010/main" val="0"/>
+                <a14:useLocalDpi xmlns:a14="http://schemas.microsoft.com/office/drawing/2010/main" val="0"/>
               </a:ext>
             </a:extLst>
           </a:blip>
@@ -31104,8 +31169,13 @@
           <a:p>
             <a:r>
               <a:rPr lang="es-PE" sz="2400" b="1" dirty="0" smtClean="0"/>
-              <a:t>2. Gestión de Impacto Ambiental </a:t>
+              <a:t>2. Gestión de </a:t>
             </a:r>
+            <a:r>
+              <a:rPr lang="es-PE" sz="2400" b="1" dirty="0" smtClean="0"/>
+              <a:t>Logística</a:t>
+            </a:r>
+            <a:endParaRPr lang="es-PE" sz="2400" b="1" dirty="0" smtClean="0"/>
           </a:p>
         </p:txBody>
       </p:sp>
@@ -31645,7 +31715,7 @@
           <p:nvPr>
             <p:extLst>
               <p:ext uri="{D42A27DB-BD31-4B8C-83A1-F6EECF244321}">
-                <p14:modId xmlns="" xmlns:p14="http://schemas.microsoft.com/office/powerpoint/2010/main" val="3683663272"/>
+                <p14:modId xmlns:p14="http://schemas.microsoft.com/office/powerpoint/2010/main" val="3606610094"/>
               </p:ext>
             </p:extLst>
           </p:nvPr>
@@ -32425,7 +32495,7 @@
           <p:nvPr>
             <p:extLst>
               <p:ext uri="{D42A27DB-BD31-4B8C-83A1-F6EECF244321}">
-                <p14:modId xmlns="" xmlns:p14="http://schemas.microsoft.com/office/powerpoint/2010/main" val="2504495998"/>
+                <p14:modId xmlns:p14="http://schemas.microsoft.com/office/powerpoint/2010/main" val="2504495998"/>
               </p:ext>
             </p:extLst>
           </p:nvPr>
@@ -32504,7 +32574,7 @@
           <a:blip r:embed="rId11" cstate="print">
             <a:extLst>
               <a:ext uri="{28A0092B-C50C-407E-A947-70E740481C1C}">
-                <a14:useLocalDpi xmlns="" xmlns:a14="http://schemas.microsoft.com/office/drawing/2010/main" val="0"/>
+                <a14:useLocalDpi xmlns:a14="http://schemas.microsoft.com/office/drawing/2010/main" val="0"/>
               </a:ext>
             </a:extLst>
           </a:blip>
@@ -32524,7 +32594,7 @@
           <a:noFill/>
           <a:extLst>
             <a:ext uri="{909E8E84-426E-40DD-AFC4-6F175D3DCCD1}">
-              <a14:hiddenFill xmlns="" xmlns:a14="http://schemas.microsoft.com/office/drawing/2010/main">
+              <a14:hiddenFill xmlns:a14="http://schemas.microsoft.com/office/drawing/2010/main">
                 <a:solidFill>
                   <a:srgbClr val="FFFFFF"/>
                 </a:solidFill>
@@ -32879,7 +32949,7 @@
           <p:nvPr>
             <p:extLst>
               <p:ext uri="{D42A27DB-BD31-4B8C-83A1-F6EECF244321}">
-                <p14:modId xmlns="" xmlns:p14="http://schemas.microsoft.com/office/powerpoint/2010/main" val="618129391"/>
+                <p14:modId xmlns:p14="http://schemas.microsoft.com/office/powerpoint/2010/main" val="618129391"/>
               </p:ext>
             </p:extLst>
           </p:nvPr>
@@ -33069,7 +33139,7 @@
           <p:nvPr>
             <p:extLst>
               <p:ext uri="{D42A27DB-BD31-4B8C-83A1-F6EECF244321}">
-                <p14:modId xmlns="" xmlns:p14="http://schemas.microsoft.com/office/powerpoint/2010/main" val="1203533569"/>
+                <p14:modId xmlns:p14="http://schemas.microsoft.com/office/powerpoint/2010/main" val="1203533569"/>
               </p:ext>
             </p:extLst>
           </p:nvPr>
@@ -33257,7 +33327,7 @@
           <p:nvPr>
             <p:extLst>
               <p:ext uri="{D42A27DB-BD31-4B8C-83A1-F6EECF244321}">
-                <p14:modId xmlns="" xmlns:p14="http://schemas.microsoft.com/office/powerpoint/2010/main" val="2788610254"/>
+                <p14:modId xmlns:p14="http://schemas.microsoft.com/office/powerpoint/2010/main" val="2788610254"/>
               </p:ext>
             </p:extLst>
           </p:nvPr>
@@ -33554,7 +33624,7 @@
           <p:nvPr>
             <p:extLst>
               <p:ext uri="{D42A27DB-BD31-4B8C-83A1-F6EECF244321}">
-                <p14:modId xmlns="" xmlns:p14="http://schemas.microsoft.com/office/powerpoint/2010/main" val="2112582192"/>
+                <p14:modId xmlns:p14="http://schemas.microsoft.com/office/powerpoint/2010/main" val="2112582192"/>
               </p:ext>
             </p:extLst>
           </p:nvPr>

--- a/MEMORIA PARCIAL/PPT/version_2.0.pptx
+++ b/MEMORIA PARCIAL/PPT/version_2.0.pptx
@@ -125,17 +125,7 @@
 
 <file path=ppt/charts/chart1.xml><?xml version="1.0" encoding="utf-8"?>
 <c:chartSpace xmlns:c="http://schemas.openxmlformats.org/drawingml/2006/chart" xmlns:a="http://schemas.openxmlformats.org/drawingml/2006/main" xmlns:r="http://schemas.openxmlformats.org/officeDocument/2006/relationships">
-  <c:date1904 val="0"/>
   <c:lang val="es-PE"/>
-  <c:roundedCorners val="0"/>
-  <mc:AlternateContent xmlns:mc="http://schemas.openxmlformats.org/markup-compatibility/2006">
-    <mc:Choice xmlns:c14="http://schemas.microsoft.com/office/drawing/2007/8/2/chart" Requires="c14">
-      <c14:style val="102"/>
-    </mc:Choice>
-    <mc:Fallback>
-      <c:style val="2"/>
-    </mc:Fallback>
-  </mc:AlternateContent>
   <c:chart>
     <c:title>
       <c:tx>
@@ -170,13 +160,11 @@
         <c:manualLayout>
           <c:xMode val="edge"/>
           <c:yMode val="edge"/>
-          <c:x val="8.8303867704427039E-2"/>
-          <c:y val="7.786391789801142E-2"/>
+          <c:x val="8.8303867704427066E-2"/>
+          <c:y val="7.7863917898011448E-2"/>
         </c:manualLayout>
       </c:layout>
-      <c:overlay val="0"/>
     </c:title>
-    <c:autoTitleDeleted val="0"/>
     <c:plotArea>
       <c:layout/>
       <c:pieChart>
@@ -197,7 +185,6 @@
           </c:tx>
           <c:dPt>
             <c:idx val="0"/>
-            <c:bubble3D val="0"/>
             <c:spPr>
               <a:solidFill>
                 <a:srgbClr val="92D050"/>
@@ -206,7 +193,6 @@
           </c:dPt>
           <c:dPt>
             <c:idx val="1"/>
-            <c:bubble3D val="0"/>
             <c:spPr>
               <a:solidFill>
                 <a:schemeClr val="accent5">
@@ -221,22 +207,12 @@
               <c:layout>
                 <c:manualLayout>
                   <c:x val="0.14515695845115742"/>
-                  <c:y val="-0.19636533440728823"/>
+                  <c:y val="-0.19636533440728826"/>
                 </c:manualLayout>
               </c:layout>
-              <c:showLegendKey val="0"/>
-              <c:showVal val="0"/>
-              <c:showCatName val="0"/>
-              <c:showSerName val="0"/>
               <c:showPercent val="1"/>
-              <c:showBubbleSize val="0"/>
             </c:dLbl>
-            <c:showLegendKey val="0"/>
-            <c:showVal val="0"/>
-            <c:showCatName val="0"/>
-            <c:showSerName val="0"/>
             <c:showPercent val="1"/>
-            <c:showBubbleSize val="0"/>
             <c:showLeaderLines val="1"/>
           </c:dLbls>
           <c:cat>
@@ -270,13 +246,7 @@
           </c:val>
         </c:ser>
         <c:dLbls>
-          <c:showLegendKey val="0"/>
-          <c:showVal val="0"/>
-          <c:showCatName val="0"/>
-          <c:showSerName val="0"/>
           <c:showPercent val="1"/>
-          <c:showBubbleSize val="0"/>
-          <c:showLeaderLines val="1"/>
         </c:dLbls>
         <c:firstSliceAng val="0"/>
       </c:pieChart>
@@ -284,7 +254,6 @@
     <c:legend>
       <c:legendPos val="r"/>
       <c:layout/>
-      <c:overlay val="0"/>
       <c:txPr>
         <a:bodyPr/>
         <a:lstStyle/>
@@ -300,7 +269,6 @@
     </c:legend>
     <c:plotVisOnly val="1"/>
     <c:dispBlanksAs val="zero"/>
-    <c:showDLblsOverMax val="0"/>
   </c:chart>
   <c:txPr>
     <a:bodyPr/>
@@ -312,9 +280,7 @@
       <a:endParaRPr lang="es-PE"/>
     </a:p>
   </c:txPr>
-  <c:externalData r:id="rId1">
-    <c:autoUpdate val="0"/>
-  </c:externalData>
+  <c:externalData r:id="rId1"/>
 </c:chartSpace>
 </file>
 
@@ -3506,11 +3472,7 @@
           </a:r>
           <a:r>
             <a:rPr lang="en-US" dirty="0" smtClean="0"/>
-            <a:t> </a:t>
-          </a:r>
-          <a:r>
-            <a:rPr lang="en-US" dirty="0" smtClean="0"/>
-            <a:t>de </a:t>
+            <a:t> de </a:t>
           </a:r>
           <a:r>
             <a:rPr lang="en-US" dirty="0" err="1" smtClean="0"/>
@@ -4101,22 +4063,22 @@
     </dgm:pt>
   </dgm:ptLst>
   <dgm:cxnLst>
-    <dgm:cxn modelId="{FC6E6CA2-7179-4A48-8688-01CAD70C7430}" srcId="{BF60C6F2-8906-4CC1-8829-B05008E1ACBA}" destId="{8F21B665-C150-4346-9B72-5EEB7F6360AA}" srcOrd="1" destOrd="0" parTransId="{E4FB1C6E-33B1-43C9-90C2-434288E9E2CB}" sibTransId="{0850B2A6-27A7-4973-8282-41659557554E}"/>
-    <dgm:cxn modelId="{D793F652-73A0-4CA3-8567-0F72B6A4B13C}" srcId="{BF60C6F2-8906-4CC1-8829-B05008E1ACBA}" destId="{564D9206-ECD9-43BB-B428-2D6CC6691A5F}" srcOrd="4" destOrd="0" parTransId="{EDF85BFB-F8A8-4A31-BF67-6A9325A6BE3A}" sibTransId="{38504559-4FDB-4CBE-BE5C-BE139351E1ED}"/>
     <dgm:cxn modelId="{1E96EC24-3136-451C-8124-B1AA860C7F76}" srcId="{BF60C6F2-8906-4CC1-8829-B05008E1ACBA}" destId="{C4B94F05-3FBC-4E84-A67F-BD280C9DED8E}" srcOrd="3" destOrd="0" parTransId="{E6A74357-2336-4B39-8760-7A69F86C23A9}" sibTransId="{3ED92DB5-C239-4375-BE7B-FE69644D4FF1}"/>
     <dgm:cxn modelId="{73B12DB8-03E0-4A37-9B46-2B79308B4944}" type="presOf" srcId="{BF60C6F2-8906-4CC1-8829-B05008E1ACBA}" destId="{8B182927-ED17-4B2B-A8C8-76B000729DBC}" srcOrd="0" destOrd="0" presId="urn:microsoft.com/office/officeart/2008/layout/VerticalCurvedList"/>
+    <dgm:cxn modelId="{694A3211-7D4D-4859-A0E1-18433B64F5A1}" type="presOf" srcId="{C4B94F05-3FBC-4E84-A67F-BD280C9DED8E}" destId="{EBCA7552-EF4E-4AA2-89DF-6640E90E6ACE}" srcOrd="0" destOrd="0" presId="urn:microsoft.com/office/officeart/2008/layout/VerticalCurvedList"/>
+    <dgm:cxn modelId="{AB009F41-FAFF-4288-9690-5D3AB56B94A2}" type="presOf" srcId="{29FC6AD6-FF8A-4646-B06C-2BACB48BF1A3}" destId="{7728D2D9-D3FB-45A8-8F82-40A57DBE13E4}" srcOrd="0" destOrd="0" presId="urn:microsoft.com/office/officeart/2008/layout/VerticalCurvedList"/>
+    <dgm:cxn modelId="{4F5B630E-498F-4C1A-BC73-2E62C5AA0F71}" type="presOf" srcId="{61F71760-953F-44CE-854E-646C5A6CB39F}" destId="{87A69DFC-5364-42D6-9771-3900F1D69A3A}" srcOrd="0" destOrd="0" presId="urn:microsoft.com/office/officeart/2008/layout/VerticalCurvedList"/>
+    <dgm:cxn modelId="{AFDF2811-BBBA-4633-8A0E-E1EEB84BB5CF}" type="presOf" srcId="{7A35E73F-9B9A-4905-9E03-7DF92CD5F82E}" destId="{BFF0EFE5-0448-42CD-8D69-1F71A75152AE}" srcOrd="0" destOrd="0" presId="urn:microsoft.com/office/officeart/2008/layout/VerticalCurvedList"/>
+    <dgm:cxn modelId="{5ECB0DDE-FC1D-44F8-AE94-3D7DB8B8B539}" srcId="{BF60C6F2-8906-4CC1-8829-B05008E1ACBA}" destId="{E7004C86-CC89-44C6-8EB1-BBCE37C6F66D}" srcOrd="2" destOrd="0" parTransId="{8EDEC13E-81AA-4D25-B933-5F2C3258B9F3}" sibTransId="{458FA936-F197-4423-B609-8C84E923FF4C}"/>
+    <dgm:cxn modelId="{03F225CC-01CA-45D2-899B-CCE546A1B8A0}" type="presOf" srcId="{9A98120C-01A9-41C2-A04C-87D1BE9F6553}" destId="{A73C0F23-F3AF-4281-826B-5C4C834502D3}" srcOrd="0" destOrd="0" presId="urn:microsoft.com/office/officeart/2008/layout/VerticalCurvedList"/>
+    <dgm:cxn modelId="{D793F652-73A0-4CA3-8567-0F72B6A4B13C}" srcId="{BF60C6F2-8906-4CC1-8829-B05008E1ACBA}" destId="{564D9206-ECD9-43BB-B428-2D6CC6691A5F}" srcOrd="4" destOrd="0" parTransId="{EDF85BFB-F8A8-4A31-BF67-6A9325A6BE3A}" sibTransId="{38504559-4FDB-4CBE-BE5C-BE139351E1ED}"/>
+    <dgm:cxn modelId="{7CBA7293-8C0A-460D-B269-22EC7474FD21}" type="presOf" srcId="{564D9206-ECD9-43BB-B428-2D6CC6691A5F}" destId="{05DB2FFE-75EA-4CE9-9FFB-C9DC7537AEF7}" srcOrd="0" destOrd="0" presId="urn:microsoft.com/office/officeart/2008/layout/VerticalCurvedList"/>
+    <dgm:cxn modelId="{A752CEAB-F84E-415A-9CD6-1A92E8539081}" type="presOf" srcId="{E7004C86-CC89-44C6-8EB1-BBCE37C6F66D}" destId="{A6A0D773-1F96-4FE8-8D6B-FC58A59AE354}" srcOrd="0" destOrd="0" presId="urn:microsoft.com/office/officeart/2008/layout/VerticalCurvedList"/>
+    <dgm:cxn modelId="{CB4371E2-E300-4BB3-9350-74219B95A35C}" srcId="{BF60C6F2-8906-4CC1-8829-B05008E1ACBA}" destId="{29FC6AD6-FF8A-4646-B06C-2BACB48BF1A3}" srcOrd="0" destOrd="0" parTransId="{9E5F1CB8-63F3-4ECF-8E2B-C1296E67A4B2}" sibTransId="{7A35E73F-9B9A-4905-9E03-7DF92CD5F82E}"/>
+    <dgm:cxn modelId="{5C730772-73EB-45B0-83BF-6D2F3992950F}" srcId="{BF60C6F2-8906-4CC1-8829-B05008E1ACBA}" destId="{9A98120C-01A9-41C2-A04C-87D1BE9F6553}" srcOrd="6" destOrd="0" parTransId="{5A6880C0-4CFC-4EB4-9C54-FB9DDBB0C171}" sibTransId="{02C240DC-ED7D-4191-8AE3-B7F2BD8059A0}"/>
+    <dgm:cxn modelId="{FC6E6CA2-7179-4A48-8688-01CAD70C7430}" srcId="{BF60C6F2-8906-4CC1-8829-B05008E1ACBA}" destId="{8F21B665-C150-4346-9B72-5EEB7F6360AA}" srcOrd="1" destOrd="0" parTransId="{E4FB1C6E-33B1-43C9-90C2-434288E9E2CB}" sibTransId="{0850B2A6-27A7-4973-8282-41659557554E}"/>
     <dgm:cxn modelId="{FCEF8229-FAE7-4AB4-B287-EA2758D3258D}" type="presOf" srcId="{8F21B665-C150-4346-9B72-5EEB7F6360AA}" destId="{B3C85711-6894-4497-9292-DA88DCACD5F3}" srcOrd="0" destOrd="0" presId="urn:microsoft.com/office/officeart/2008/layout/VerticalCurvedList"/>
-    <dgm:cxn modelId="{AB009F41-FAFF-4288-9690-5D3AB56B94A2}" type="presOf" srcId="{29FC6AD6-FF8A-4646-B06C-2BACB48BF1A3}" destId="{7728D2D9-D3FB-45A8-8F82-40A57DBE13E4}" srcOrd="0" destOrd="0" presId="urn:microsoft.com/office/officeart/2008/layout/VerticalCurvedList"/>
-    <dgm:cxn modelId="{7CBA7293-8C0A-460D-B269-22EC7474FD21}" type="presOf" srcId="{564D9206-ECD9-43BB-B428-2D6CC6691A5F}" destId="{05DB2FFE-75EA-4CE9-9FFB-C9DC7537AEF7}" srcOrd="0" destOrd="0" presId="urn:microsoft.com/office/officeart/2008/layout/VerticalCurvedList"/>
-    <dgm:cxn modelId="{694A3211-7D4D-4859-A0E1-18433B64F5A1}" type="presOf" srcId="{C4B94F05-3FBC-4E84-A67F-BD280C9DED8E}" destId="{EBCA7552-EF4E-4AA2-89DF-6640E90E6ACE}" srcOrd="0" destOrd="0" presId="urn:microsoft.com/office/officeart/2008/layout/VerticalCurvedList"/>
-    <dgm:cxn modelId="{CB4371E2-E300-4BB3-9350-74219B95A35C}" srcId="{BF60C6F2-8906-4CC1-8829-B05008E1ACBA}" destId="{29FC6AD6-FF8A-4646-B06C-2BACB48BF1A3}" srcOrd="0" destOrd="0" parTransId="{9E5F1CB8-63F3-4ECF-8E2B-C1296E67A4B2}" sibTransId="{7A35E73F-9B9A-4905-9E03-7DF92CD5F82E}"/>
-    <dgm:cxn modelId="{4F5B630E-498F-4C1A-BC73-2E62C5AA0F71}" type="presOf" srcId="{61F71760-953F-44CE-854E-646C5A6CB39F}" destId="{87A69DFC-5364-42D6-9771-3900F1D69A3A}" srcOrd="0" destOrd="0" presId="urn:microsoft.com/office/officeart/2008/layout/VerticalCurvedList"/>
     <dgm:cxn modelId="{4878D399-D0A9-4602-9ABE-688BAE914E07}" srcId="{BF60C6F2-8906-4CC1-8829-B05008E1ACBA}" destId="{61F71760-953F-44CE-854E-646C5A6CB39F}" srcOrd="5" destOrd="0" parTransId="{4EBEF081-B54B-429E-BA34-41AC5B6D2369}" sibTransId="{EB8F22C1-5D92-4455-9387-594A0C943AC7}"/>
-    <dgm:cxn modelId="{AFDF2811-BBBA-4633-8A0E-E1EEB84BB5CF}" type="presOf" srcId="{7A35E73F-9B9A-4905-9E03-7DF92CD5F82E}" destId="{BFF0EFE5-0448-42CD-8D69-1F71A75152AE}" srcOrd="0" destOrd="0" presId="urn:microsoft.com/office/officeart/2008/layout/VerticalCurvedList"/>
-    <dgm:cxn modelId="{5C730772-73EB-45B0-83BF-6D2F3992950F}" srcId="{BF60C6F2-8906-4CC1-8829-B05008E1ACBA}" destId="{9A98120C-01A9-41C2-A04C-87D1BE9F6553}" srcOrd="6" destOrd="0" parTransId="{5A6880C0-4CFC-4EB4-9C54-FB9DDBB0C171}" sibTransId="{02C240DC-ED7D-4191-8AE3-B7F2BD8059A0}"/>
-    <dgm:cxn modelId="{5ECB0DDE-FC1D-44F8-AE94-3D7DB8B8B539}" srcId="{BF60C6F2-8906-4CC1-8829-B05008E1ACBA}" destId="{E7004C86-CC89-44C6-8EB1-BBCE37C6F66D}" srcOrd="2" destOrd="0" parTransId="{8EDEC13E-81AA-4D25-B933-5F2C3258B9F3}" sibTransId="{458FA936-F197-4423-B609-8C84E923FF4C}"/>
-    <dgm:cxn modelId="{A752CEAB-F84E-415A-9CD6-1A92E8539081}" type="presOf" srcId="{E7004C86-CC89-44C6-8EB1-BBCE37C6F66D}" destId="{A6A0D773-1F96-4FE8-8D6B-FC58A59AE354}" srcOrd="0" destOrd="0" presId="urn:microsoft.com/office/officeart/2008/layout/VerticalCurvedList"/>
-    <dgm:cxn modelId="{03F225CC-01CA-45D2-899B-CCE546A1B8A0}" type="presOf" srcId="{9A98120C-01A9-41C2-A04C-87D1BE9F6553}" destId="{A73C0F23-F3AF-4281-826B-5C4C834502D3}" srcOrd="0" destOrd="0" presId="urn:microsoft.com/office/officeart/2008/layout/VerticalCurvedList"/>
     <dgm:cxn modelId="{75A44DF4-87B2-4561-9C49-8169564E48F3}" type="presParOf" srcId="{8B182927-ED17-4B2B-A8C8-76B000729DBC}" destId="{44EE3891-22FB-4123-BA21-C721FF057782}" srcOrd="0" destOrd="0" presId="urn:microsoft.com/office/officeart/2008/layout/VerticalCurvedList"/>
     <dgm:cxn modelId="{03F8211C-2132-456B-925B-698FBB64FF43}" type="presParOf" srcId="{44EE3891-22FB-4123-BA21-C721FF057782}" destId="{358DBE1B-3C37-40E8-9C65-18B34D563C87}" srcOrd="0" destOrd="0" presId="urn:microsoft.com/office/officeart/2008/layout/VerticalCurvedList"/>
     <dgm:cxn modelId="{B167D681-6312-43C7-B740-68C18D867F4B}" type="presParOf" srcId="{358DBE1B-3C37-40E8-9C65-18B34D563C87}" destId="{2AB95113-E2D0-4D33-ACDB-E131CB78CB53}" srcOrd="0" destOrd="0" presId="urn:microsoft.com/office/officeart/2008/layout/VerticalCurvedList"/>
@@ -4149,7 +4111,7 @@
   <dgm:whole/>
   <dgm:extLst>
     <a:ext uri="http://schemas.microsoft.com/office/drawing/2008/diagram">
-      <dsp:dataModelExt xmlns:dsp="http://schemas.microsoft.com/office/drawing/2008/diagram" relId="rId8" minVer="http://schemas.openxmlformats.org/drawingml/2006/diagram"/>
+      <dsp:dataModelExt xmlns:dsp="http://schemas.microsoft.com/office/drawing/2008/diagram" xmlns="" relId="rId8" minVer="http://schemas.openxmlformats.org/drawingml/2006/diagram"/>
     </a:ext>
   </dgm:extLst>
 </dgm:dataModel>
@@ -4190,11 +4152,7 @@
         <a:p>
           <a:r>
             <a:rPr lang="es-PE" sz="1000" dirty="0" smtClean="0"/>
-            <a:t>Carlos </a:t>
-          </a:r>
-          <a:r>
-            <a:rPr lang="es-PE" sz="1000" dirty="0" smtClean="0"/>
-            <a:t>Raymundo</a:t>
+            <a:t>Carlos Raymundo</a:t>
           </a:r>
         </a:p>
         <a:p>
@@ -5119,36 +5077,36 @@
     </dgm:pt>
   </dgm:ptLst>
   <dgm:cxnLst>
-    <dgm:cxn modelId="{906549DF-D8B6-4118-ABB4-E6A621E6C3C9}" type="presOf" srcId="{7C231E78-92F5-4B5E-AD32-C165A625B1C9}" destId="{1605AA5F-8C30-4A5E-9A9F-2073BA058232}" srcOrd="0" destOrd="0" presId="urn:microsoft.com/office/officeart/2008/layout/NameandTitleOrganizationalChart"/>
-    <dgm:cxn modelId="{D44AD234-998D-4088-AF21-7061F5D436E9}" type="presOf" srcId="{1168F6A4-1E41-4D02-8364-F4FCB27188E4}" destId="{53B01AB6-84B1-4F36-9833-DA65F891A0EB}" srcOrd="1" destOrd="0" presId="urn:microsoft.com/office/officeart/2008/layout/NameandTitleOrganizationalChart"/>
-    <dgm:cxn modelId="{56B275F4-349A-4E1E-8F43-83EC054B832F}" type="presOf" srcId="{347BC993-1C08-4D2B-9B66-80B98095A79C}" destId="{E0F40A59-B6D0-40C0-8146-DD3DE9BB0E5E}" srcOrd="1" destOrd="0" presId="urn:microsoft.com/office/officeart/2008/layout/NameandTitleOrganizationalChart"/>
-    <dgm:cxn modelId="{5769F2F8-6C59-4195-8488-FCE38593F8B7}" type="presOf" srcId="{CD4F10B8-2968-4740-A825-FE79CC1CA096}" destId="{1F03D495-773F-4154-A5DC-766EE2212DD4}" srcOrd="0" destOrd="0" presId="urn:microsoft.com/office/officeart/2008/layout/NameandTitleOrganizationalChart"/>
+    <dgm:cxn modelId="{42119602-77CD-4140-8A27-67B2E1783EA6}" srcId="{1168F6A4-1E41-4D02-8364-F4FCB27188E4}" destId="{952FE013-1706-4DBC-9DA1-46041CB6AD92}" srcOrd="0" destOrd="0" parTransId="{59C22F3A-4314-4753-A21A-C753F0EDFEEA}" sibTransId="{91FB05EA-4AF6-4D04-A6EF-68292175BEB9}"/>
+    <dgm:cxn modelId="{1F6E0CA3-0715-4FA3-AD62-34BF36AE67D0}" type="presOf" srcId="{1168F6A4-1E41-4D02-8364-F4FCB27188E4}" destId="{25343B94-49FB-44BB-AFF9-6C2BB17E8B5E}" srcOrd="0" destOrd="0" presId="urn:microsoft.com/office/officeart/2008/layout/NameandTitleOrganizationalChart"/>
+    <dgm:cxn modelId="{502CBE2E-F73D-46F4-9970-D7926FE5BFB0}" type="presOf" srcId="{D54E75F5-A54B-4F2D-B083-9D7C8128EF87}" destId="{91914361-BB6E-47CD-8B5A-440BC7E0D3FC}" srcOrd="0" destOrd="0" presId="urn:microsoft.com/office/officeart/2008/layout/NameandTitleOrganizationalChart"/>
+    <dgm:cxn modelId="{71843F95-AC0E-4150-803D-425F89BAD153}" type="presOf" srcId="{95520C58-803E-4225-874B-B2C1C5278E29}" destId="{20DC4BF3-79E5-4DA4-9F9D-305F11603ECB}" srcOrd="0" destOrd="0" presId="urn:microsoft.com/office/officeart/2008/layout/NameandTitleOrganizationalChart"/>
+    <dgm:cxn modelId="{878ECED7-83FC-4262-8369-130EC6598833}" type="presOf" srcId="{09E3A6AC-7B50-43D0-BFDC-EFB9EA2F2D3E}" destId="{48975034-1684-494C-915E-D7523B1568C4}" srcOrd="1" destOrd="0" presId="urn:microsoft.com/office/officeart/2008/layout/NameandTitleOrganizationalChart"/>
     <dgm:cxn modelId="{1E0A05D4-DE89-453E-82C4-B65224D7867E}" type="presOf" srcId="{952FE013-1706-4DBC-9DA1-46041CB6AD92}" destId="{77981FE5-DBCD-4869-8D12-655EDBA1FAA5}" srcOrd="1" destOrd="0" presId="urn:microsoft.com/office/officeart/2008/layout/NameandTitleOrganizationalChart"/>
-    <dgm:cxn modelId="{7554AD96-DB71-4AD5-981D-88F978215DF6}" type="presOf" srcId="{11A98B8E-5634-4CB4-9436-FE2DD628832F}" destId="{A2F7AFDA-86EB-4274-BC9B-0D0273B9676E}" srcOrd="0" destOrd="0" presId="urn:microsoft.com/office/officeart/2008/layout/NameandTitleOrganizationalChart"/>
+    <dgm:cxn modelId="{7872FC00-A056-4D6B-8104-CF70B79C2D3A}" type="presOf" srcId="{10E906E1-3AB4-477A-833F-6A9408CBEB39}" destId="{236748A3-D9B4-4A21-B6C5-790B167C0A3D}" srcOrd="0" destOrd="0" presId="urn:microsoft.com/office/officeart/2008/layout/NameandTitleOrganizationalChart"/>
+    <dgm:cxn modelId="{11E076B9-3132-40B4-AB60-C72B0A20802F}" type="presOf" srcId="{09E3A6AC-7B50-43D0-BFDC-EFB9EA2F2D3E}" destId="{4D8981D7-C78E-4A27-8AA7-25E8943F9E2D}" srcOrd="0" destOrd="0" presId="urn:microsoft.com/office/officeart/2008/layout/NameandTitleOrganizationalChart"/>
     <dgm:cxn modelId="{68BC870F-CE90-4B5C-97A5-FD5CFD38A479}" type="presOf" srcId="{3F1CC737-CD10-4575-8937-D4085782797A}" destId="{EAAB09E8-00B9-4D2A-8D4D-27F0F3176A40}" srcOrd="0" destOrd="0" presId="urn:microsoft.com/office/officeart/2008/layout/NameandTitleOrganizationalChart"/>
-    <dgm:cxn modelId="{502CBE2E-F73D-46F4-9970-D7926FE5BFB0}" type="presOf" srcId="{D54E75F5-A54B-4F2D-B083-9D7C8128EF87}" destId="{91914361-BB6E-47CD-8B5A-440BC7E0D3FC}" srcOrd="0" destOrd="0" presId="urn:microsoft.com/office/officeart/2008/layout/NameandTitleOrganizationalChart"/>
-    <dgm:cxn modelId="{42119602-77CD-4140-8A27-67B2E1783EA6}" srcId="{1168F6A4-1E41-4D02-8364-F4FCB27188E4}" destId="{952FE013-1706-4DBC-9DA1-46041CB6AD92}" srcOrd="0" destOrd="0" parTransId="{59C22F3A-4314-4753-A21A-C753F0EDFEEA}" sibTransId="{91FB05EA-4AF6-4D04-A6EF-68292175BEB9}"/>
-    <dgm:cxn modelId="{878ECED7-83FC-4262-8369-130EC6598833}" type="presOf" srcId="{09E3A6AC-7B50-43D0-BFDC-EFB9EA2F2D3E}" destId="{48975034-1684-494C-915E-D7523B1568C4}" srcOrd="1" destOrd="0" presId="urn:microsoft.com/office/officeart/2008/layout/NameandTitleOrganizationalChart"/>
-    <dgm:cxn modelId="{A4289140-36DF-42B6-995B-CDDC16E0DCDF}" type="presOf" srcId="{1576AEB1-9BC2-48CE-9B89-BE247074FC3A}" destId="{3BAD1AEA-418A-4FF2-8C37-6E86CA4A16EC}" srcOrd="0" destOrd="0" presId="urn:microsoft.com/office/officeart/2008/layout/NameandTitleOrganizationalChart"/>
     <dgm:cxn modelId="{91C61739-F08E-4B55-9781-0582AF4E1226}" type="presOf" srcId="{59C22F3A-4314-4753-A21A-C753F0EDFEEA}" destId="{9DFE2D37-DFC8-4633-9B75-970E2B7DE545}" srcOrd="0" destOrd="0" presId="urn:microsoft.com/office/officeart/2008/layout/NameandTitleOrganizationalChart"/>
     <dgm:cxn modelId="{B9021E40-F741-47D5-BCE4-283C3559A4A3}" type="presOf" srcId="{D0E2CCA9-02B5-41C2-BE3A-E3CC628BC700}" destId="{B9EDA11B-C7AA-43D8-9B53-7713D2CA7FE0}" srcOrd="0" destOrd="0" presId="urn:microsoft.com/office/officeart/2008/layout/NameandTitleOrganizationalChart"/>
-    <dgm:cxn modelId="{1F6E0CA3-0715-4FA3-AD62-34BF36AE67D0}" type="presOf" srcId="{1168F6A4-1E41-4D02-8364-F4FCB27188E4}" destId="{25343B94-49FB-44BB-AFF9-6C2BB17E8B5E}" srcOrd="0" destOrd="0" presId="urn:microsoft.com/office/officeart/2008/layout/NameandTitleOrganizationalChart"/>
+    <dgm:cxn modelId="{56B275F4-349A-4E1E-8F43-83EC054B832F}" type="presOf" srcId="{347BC993-1C08-4D2B-9B66-80B98095A79C}" destId="{E0F40A59-B6D0-40C0-8146-DD3DE9BB0E5E}" srcOrd="1" destOrd="0" presId="urn:microsoft.com/office/officeart/2008/layout/NameandTitleOrganizationalChart"/>
+    <dgm:cxn modelId="{F9F5543C-6F93-420C-9818-2E27B3DB8E61}" srcId="{CD4F10B8-2968-4740-A825-FE79CC1CA096}" destId="{347BC993-1C08-4D2B-9B66-80B98095A79C}" srcOrd="0" destOrd="0" parTransId="{D410DF65-11BD-4CDD-99CF-093E36503C1E}" sibTransId="{10E906E1-3AB4-477A-833F-6A9408CBEB39}"/>
+    <dgm:cxn modelId="{906549DF-D8B6-4118-ABB4-E6A621E6C3C9}" type="presOf" srcId="{7C231E78-92F5-4B5E-AD32-C165A625B1C9}" destId="{1605AA5F-8C30-4A5E-9A9F-2073BA058232}" srcOrd="0" destOrd="0" presId="urn:microsoft.com/office/officeart/2008/layout/NameandTitleOrganizationalChart"/>
+    <dgm:cxn modelId="{A4289140-36DF-42B6-995B-CDDC16E0DCDF}" type="presOf" srcId="{1576AEB1-9BC2-48CE-9B89-BE247074FC3A}" destId="{3BAD1AEA-418A-4FF2-8C37-6E86CA4A16EC}" srcOrd="0" destOrd="0" presId="urn:microsoft.com/office/officeart/2008/layout/NameandTitleOrganizationalChart"/>
+    <dgm:cxn modelId="{40F266BD-AEC6-4337-B320-99CA80453BAD}" type="presOf" srcId="{91FB05EA-4AF6-4D04-A6EF-68292175BEB9}" destId="{79007A5F-79F1-49C2-9557-04F9B95E435E}" srcOrd="0" destOrd="0" presId="urn:microsoft.com/office/officeart/2008/layout/NameandTitleOrganizationalChart"/>
+    <dgm:cxn modelId="{3ACC8753-CF77-469C-9139-A5DBAA57BCB5}" type="presOf" srcId="{824E84C1-AA8F-4184-987D-03E545B9F99B}" destId="{0488DDFB-00EC-416A-9B47-52C08CDA82C4}" srcOrd="0" destOrd="0" presId="urn:microsoft.com/office/officeart/2008/layout/NameandTitleOrganizationalChart"/>
+    <dgm:cxn modelId="{1A24CEA0-68FE-4C67-9746-E822AB5B072F}" type="presOf" srcId="{D0E2CCA9-02B5-41C2-BE3A-E3CC628BC700}" destId="{95D3A784-BCBB-4D00-97EF-9660389AF29E}" srcOrd="1" destOrd="0" presId="urn:microsoft.com/office/officeart/2008/layout/NameandTitleOrganizationalChart"/>
+    <dgm:cxn modelId="{8E20BB29-23E6-49D2-8813-C363299772C3}" srcId="{347BC993-1C08-4D2B-9B66-80B98095A79C}" destId="{09E3A6AC-7B50-43D0-BFDC-EFB9EA2F2D3E}" srcOrd="0" destOrd="0" parTransId="{D54E75F5-A54B-4F2D-B083-9D7C8128EF87}" sibTransId="{11A98B8E-5634-4CB4-9436-FE2DD628832F}"/>
     <dgm:cxn modelId="{08120B0A-B820-4835-879C-DB45FC6D9BE7}" type="presOf" srcId="{347BC993-1C08-4D2B-9B66-80B98095A79C}" destId="{14A78C60-F444-45B5-9186-37528D72A7D2}" srcOrd="0" destOrd="0" presId="urn:microsoft.com/office/officeart/2008/layout/NameandTitleOrganizationalChart"/>
+    <dgm:cxn modelId="{83F329C9-3B74-4C17-A8B2-072C41000B88}" srcId="{1168F6A4-1E41-4D02-8364-F4FCB27188E4}" destId="{95520C58-803E-4225-874B-B2C1C5278E29}" srcOrd="2" destOrd="0" parTransId="{7C231E78-92F5-4B5E-AD32-C165A625B1C9}" sibTransId="{824E84C1-AA8F-4184-987D-03E545B9F99B}"/>
+    <dgm:cxn modelId="{7554AD96-DB71-4AD5-981D-88F978215DF6}" type="presOf" srcId="{11A98B8E-5634-4CB4-9436-FE2DD628832F}" destId="{A2F7AFDA-86EB-4274-BC9B-0D0273B9676E}" srcOrd="0" destOrd="0" presId="urn:microsoft.com/office/officeart/2008/layout/NameandTitleOrganizationalChart"/>
     <dgm:cxn modelId="{28205AE9-CAFE-4B2D-8206-9DB6CDCBF8C6}" type="presOf" srcId="{952FE013-1706-4DBC-9DA1-46041CB6AD92}" destId="{31E0648C-6AA2-4CF2-9136-2EB6D6849F75}" srcOrd="0" destOrd="0" presId="urn:microsoft.com/office/officeart/2008/layout/NameandTitleOrganizationalChart"/>
-    <dgm:cxn modelId="{1A24CEA0-68FE-4C67-9746-E822AB5B072F}" type="presOf" srcId="{D0E2CCA9-02B5-41C2-BE3A-E3CC628BC700}" destId="{95D3A784-BCBB-4D00-97EF-9660389AF29E}" srcOrd="1" destOrd="0" presId="urn:microsoft.com/office/officeart/2008/layout/NameandTitleOrganizationalChart"/>
+    <dgm:cxn modelId="{5769F2F8-6C59-4195-8488-FCE38593F8B7}" type="presOf" srcId="{CD4F10B8-2968-4740-A825-FE79CC1CA096}" destId="{1F03D495-773F-4154-A5DC-766EE2212DD4}" srcOrd="0" destOrd="0" presId="urn:microsoft.com/office/officeart/2008/layout/NameandTitleOrganizationalChart"/>
+    <dgm:cxn modelId="{D44AD234-998D-4088-AF21-7061F5D436E9}" type="presOf" srcId="{1168F6A4-1E41-4D02-8364-F4FCB27188E4}" destId="{53B01AB6-84B1-4F36-9833-DA65F891A0EB}" srcOrd="1" destOrd="0" presId="urn:microsoft.com/office/officeart/2008/layout/NameandTitleOrganizationalChart"/>
+    <dgm:cxn modelId="{71DBC626-4725-40A6-A6C3-E44377EEEB1A}" type="presOf" srcId="{FE9BA5E0-76D1-4638-AA36-7407487D19FF}" destId="{BB95E758-77D9-4392-909E-ECD227327D01}" srcOrd="0" destOrd="0" presId="urn:microsoft.com/office/officeart/2008/layout/NameandTitleOrganizationalChart"/>
+    <dgm:cxn modelId="{FDBECD60-AA52-4FD1-8248-276D46C0DAF3}" type="presOf" srcId="{95520C58-803E-4225-874B-B2C1C5278E29}" destId="{4CDCB448-8D8B-436B-AA1E-AD9E5FB4E25C}" srcOrd="1" destOrd="0" presId="urn:microsoft.com/office/officeart/2008/layout/NameandTitleOrganizationalChart"/>
+    <dgm:cxn modelId="{6CA07ED4-206C-4777-B06F-E48186D88663}" srcId="{1168F6A4-1E41-4D02-8364-F4FCB27188E4}" destId="{D0E2CCA9-02B5-41C2-BE3A-E3CC628BC700}" srcOrd="1" destOrd="0" parTransId="{2A879A2D-CCF4-4F86-AB64-7BE670EC32F7}" sibTransId="{1576AEB1-9BC2-48CE-9B89-BE247074FC3A}"/>
     <dgm:cxn modelId="{5536444A-EF06-46EB-9D98-0F5AA28C4A0B}" type="presOf" srcId="{2A879A2D-CCF4-4F86-AB64-7BE670EC32F7}" destId="{FCB3506C-C4C5-4C86-B272-226F06B81C53}" srcOrd="0" destOrd="0" presId="urn:microsoft.com/office/officeart/2008/layout/NameandTitleOrganizationalChart"/>
-    <dgm:cxn modelId="{6CA07ED4-206C-4777-B06F-E48186D88663}" srcId="{1168F6A4-1E41-4D02-8364-F4FCB27188E4}" destId="{D0E2CCA9-02B5-41C2-BE3A-E3CC628BC700}" srcOrd="1" destOrd="0" parTransId="{2A879A2D-CCF4-4F86-AB64-7BE670EC32F7}" sibTransId="{1576AEB1-9BC2-48CE-9B89-BE247074FC3A}"/>
-    <dgm:cxn modelId="{7872FC00-A056-4D6B-8104-CF70B79C2D3A}" type="presOf" srcId="{10E906E1-3AB4-477A-833F-6A9408CBEB39}" destId="{236748A3-D9B4-4A21-B6C5-790B167C0A3D}" srcOrd="0" destOrd="0" presId="urn:microsoft.com/office/officeart/2008/layout/NameandTitleOrganizationalChart"/>
     <dgm:cxn modelId="{6DAE6547-7817-49F4-9E0F-32C7ACC6B6E3}" srcId="{09E3A6AC-7B50-43D0-BFDC-EFB9EA2F2D3E}" destId="{1168F6A4-1E41-4D02-8364-F4FCB27188E4}" srcOrd="0" destOrd="0" parTransId="{3F1CC737-CD10-4575-8937-D4085782797A}" sibTransId="{FE9BA5E0-76D1-4638-AA36-7407487D19FF}"/>
-    <dgm:cxn modelId="{8E20BB29-23E6-49D2-8813-C363299772C3}" srcId="{347BC993-1C08-4D2B-9B66-80B98095A79C}" destId="{09E3A6AC-7B50-43D0-BFDC-EFB9EA2F2D3E}" srcOrd="0" destOrd="0" parTransId="{D54E75F5-A54B-4F2D-B083-9D7C8128EF87}" sibTransId="{11A98B8E-5634-4CB4-9436-FE2DD628832F}"/>
-    <dgm:cxn modelId="{40F266BD-AEC6-4337-B320-99CA80453BAD}" type="presOf" srcId="{91FB05EA-4AF6-4D04-A6EF-68292175BEB9}" destId="{79007A5F-79F1-49C2-9557-04F9B95E435E}" srcOrd="0" destOrd="0" presId="urn:microsoft.com/office/officeart/2008/layout/NameandTitleOrganizationalChart"/>
-    <dgm:cxn modelId="{71843F95-AC0E-4150-803D-425F89BAD153}" type="presOf" srcId="{95520C58-803E-4225-874B-B2C1C5278E29}" destId="{20DC4BF3-79E5-4DA4-9F9D-305F11603ECB}" srcOrd="0" destOrd="0" presId="urn:microsoft.com/office/officeart/2008/layout/NameandTitleOrganizationalChart"/>
-    <dgm:cxn modelId="{FDBECD60-AA52-4FD1-8248-276D46C0DAF3}" type="presOf" srcId="{95520C58-803E-4225-874B-B2C1C5278E29}" destId="{4CDCB448-8D8B-436B-AA1E-AD9E5FB4E25C}" srcOrd="1" destOrd="0" presId="urn:microsoft.com/office/officeart/2008/layout/NameandTitleOrganizationalChart"/>
-    <dgm:cxn modelId="{3ACC8753-CF77-469C-9139-A5DBAA57BCB5}" type="presOf" srcId="{824E84C1-AA8F-4184-987D-03E545B9F99B}" destId="{0488DDFB-00EC-416A-9B47-52C08CDA82C4}" srcOrd="0" destOrd="0" presId="urn:microsoft.com/office/officeart/2008/layout/NameandTitleOrganizationalChart"/>
-    <dgm:cxn modelId="{11E076B9-3132-40B4-AB60-C72B0A20802F}" type="presOf" srcId="{09E3A6AC-7B50-43D0-BFDC-EFB9EA2F2D3E}" destId="{4D8981D7-C78E-4A27-8AA7-25E8943F9E2D}" srcOrd="0" destOrd="0" presId="urn:microsoft.com/office/officeart/2008/layout/NameandTitleOrganizationalChart"/>
-    <dgm:cxn modelId="{83F329C9-3B74-4C17-A8B2-072C41000B88}" srcId="{1168F6A4-1E41-4D02-8364-F4FCB27188E4}" destId="{95520C58-803E-4225-874B-B2C1C5278E29}" srcOrd="2" destOrd="0" parTransId="{7C231E78-92F5-4B5E-AD32-C165A625B1C9}" sibTransId="{824E84C1-AA8F-4184-987D-03E545B9F99B}"/>
-    <dgm:cxn modelId="{71DBC626-4725-40A6-A6C3-E44377EEEB1A}" type="presOf" srcId="{FE9BA5E0-76D1-4638-AA36-7407487D19FF}" destId="{BB95E758-77D9-4392-909E-ECD227327D01}" srcOrd="0" destOrd="0" presId="urn:microsoft.com/office/officeart/2008/layout/NameandTitleOrganizationalChart"/>
-    <dgm:cxn modelId="{F9F5543C-6F93-420C-9818-2E27B3DB8E61}" srcId="{CD4F10B8-2968-4740-A825-FE79CC1CA096}" destId="{347BC993-1C08-4D2B-9B66-80B98095A79C}" srcOrd="0" destOrd="0" parTransId="{D410DF65-11BD-4CDD-99CF-093E36503C1E}" sibTransId="{10E906E1-3AB4-477A-833F-6A9408CBEB39}"/>
     <dgm:cxn modelId="{36C5DAC9-8E82-4D6D-A92C-9BF8BE58629A}" type="presParOf" srcId="{1F03D495-773F-4154-A5DC-766EE2212DD4}" destId="{D4B6FE01-ADE3-416C-AABB-51C5F72478D7}" srcOrd="0" destOrd="0" presId="urn:microsoft.com/office/officeart/2008/layout/NameandTitleOrganizationalChart"/>
     <dgm:cxn modelId="{448D5BA5-67FB-4C09-AB58-0D55E2689FAD}" type="presParOf" srcId="{D4B6FE01-ADE3-416C-AABB-51C5F72478D7}" destId="{579C145A-8646-4C6E-9F44-F0EFF9ED57D4}" srcOrd="0" destOrd="0" presId="urn:microsoft.com/office/officeart/2008/layout/NameandTitleOrganizationalChart"/>
     <dgm:cxn modelId="{65D31A5D-D73F-46E2-90EA-B47975A19B14}" type="presParOf" srcId="{579C145A-8646-4C6E-9F44-F0EFF9ED57D4}" destId="{14A78C60-F444-45B5-9186-37528D72A7D2}" srcOrd="0" destOrd="0" presId="urn:microsoft.com/office/officeart/2008/layout/NameandTitleOrganizationalChart"/>
@@ -5201,7 +5159,7 @@
   <dgm:whole/>
   <dgm:extLst>
     <a:ext uri="http://schemas.microsoft.com/office/drawing/2008/diagram">
-      <dsp:dataModelExt xmlns:dsp="http://schemas.microsoft.com/office/drawing/2008/diagram" relId="rId8" minVer="http://schemas.openxmlformats.org/drawingml/2006/diagram"/>
+      <dsp:dataModelExt xmlns:dsp="http://schemas.microsoft.com/office/drawing/2008/diagram" xmlns="" relId="rId8" minVer="http://schemas.openxmlformats.org/drawingml/2006/diagram"/>
     </a:ext>
   </dgm:extLst>
 </dgm:dataModel>
@@ -5614,15 +5572,15 @@
     </dgm:pt>
   </dgm:ptLst>
   <dgm:cxnLst>
+    <dgm:cxn modelId="{5279D04B-930E-4DE7-A7A0-A72758389925}" type="presOf" srcId="{509F9BE9-4137-4609-9A90-3894AD1E7933}" destId="{97F8B434-2F28-4662-B6C2-14B425398A98}" srcOrd="0" destOrd="0" presId="urn:microsoft.com/office/officeart/2005/8/layout/hierarchy4"/>
+    <dgm:cxn modelId="{08747923-5E88-4E7A-A30B-61B8459DF116}" type="presOf" srcId="{1C625F2A-FE72-45AA-9600-CDAF3F61B844}" destId="{7A88E86B-149A-4960-AD77-2DBB56F1B11C}" srcOrd="0" destOrd="0" presId="urn:microsoft.com/office/officeart/2005/8/layout/hierarchy4"/>
+    <dgm:cxn modelId="{C86B4287-43B4-49C5-AFEE-BACCC61D4483}" type="presOf" srcId="{FD9D19D4-0E4C-402E-8A04-EF4DAF2BC48E}" destId="{21467B2C-1303-4CEB-8C25-CFB598F88955}" srcOrd="0" destOrd="0" presId="urn:microsoft.com/office/officeart/2005/8/layout/hierarchy4"/>
+    <dgm:cxn modelId="{F7FA1902-7A76-4216-B6C4-0AE29851ED33}" srcId="{1C625F2A-FE72-45AA-9600-CDAF3F61B844}" destId="{08D5F0A4-16D6-4CF1-BFB1-7409ADD1584D}" srcOrd="1" destOrd="0" parTransId="{09A80543-08C7-4C12-B276-A28D67716154}" sibTransId="{CCFA1855-709E-4DF7-B7FA-CF40E711921A}"/>
+    <dgm:cxn modelId="{B8F3B834-93BB-40FF-8B60-609A181C58F1}" srcId="{1C625F2A-FE72-45AA-9600-CDAF3F61B844}" destId="{509F9BE9-4137-4609-9A90-3894AD1E7933}" srcOrd="2" destOrd="0" parTransId="{6E3ABEA4-F6A7-4AC0-8B9A-1ECABBCF57CF}" sibTransId="{2CB1DF59-05C1-46ED-ACF5-374BA18B7741}"/>
+    <dgm:cxn modelId="{C7B443CA-90D9-4080-A160-0A96909BE1C2}" srcId="{A1DFB07F-AC39-4CB3-B3CA-E389E512B2A4}" destId="{1C625F2A-FE72-45AA-9600-CDAF3F61B844}" srcOrd="0" destOrd="0" parTransId="{06029871-02D0-4C17-8B34-20BE0166D3DB}" sibTransId="{C763F3C8-60B7-4C05-A1CD-CA4375FA30E6}"/>
+    <dgm:cxn modelId="{455F1068-F58B-4703-8D8B-D7E18A272B5E}" type="presOf" srcId="{A1DFB07F-AC39-4CB3-B3CA-E389E512B2A4}" destId="{F76C0F11-4C30-4321-A5BC-BEBC6577D681}" srcOrd="0" destOrd="0" presId="urn:microsoft.com/office/officeart/2005/8/layout/hierarchy4"/>
     <dgm:cxn modelId="{755082BC-9A4D-4E5E-B16D-CAE1A40332B8}" type="presOf" srcId="{08D5F0A4-16D6-4CF1-BFB1-7409ADD1584D}" destId="{EE723D86-4C37-4804-B40B-3E76095C48F1}" srcOrd="0" destOrd="0" presId="urn:microsoft.com/office/officeart/2005/8/layout/hierarchy4"/>
-    <dgm:cxn modelId="{B8F3B834-93BB-40FF-8B60-609A181C58F1}" srcId="{1C625F2A-FE72-45AA-9600-CDAF3F61B844}" destId="{509F9BE9-4137-4609-9A90-3894AD1E7933}" srcOrd="2" destOrd="0" parTransId="{6E3ABEA4-F6A7-4AC0-8B9A-1ECABBCF57CF}" sibTransId="{2CB1DF59-05C1-46ED-ACF5-374BA18B7741}"/>
-    <dgm:cxn modelId="{5279D04B-930E-4DE7-A7A0-A72758389925}" type="presOf" srcId="{509F9BE9-4137-4609-9A90-3894AD1E7933}" destId="{97F8B434-2F28-4662-B6C2-14B425398A98}" srcOrd="0" destOrd="0" presId="urn:microsoft.com/office/officeart/2005/8/layout/hierarchy4"/>
-    <dgm:cxn modelId="{F7FA1902-7A76-4216-B6C4-0AE29851ED33}" srcId="{1C625F2A-FE72-45AA-9600-CDAF3F61B844}" destId="{08D5F0A4-16D6-4CF1-BFB1-7409ADD1584D}" srcOrd="1" destOrd="0" parTransId="{09A80543-08C7-4C12-B276-A28D67716154}" sibTransId="{CCFA1855-709E-4DF7-B7FA-CF40E711921A}"/>
-    <dgm:cxn modelId="{C7B443CA-90D9-4080-A160-0A96909BE1C2}" srcId="{A1DFB07F-AC39-4CB3-B3CA-E389E512B2A4}" destId="{1C625F2A-FE72-45AA-9600-CDAF3F61B844}" srcOrd="0" destOrd="0" parTransId="{06029871-02D0-4C17-8B34-20BE0166D3DB}" sibTransId="{C763F3C8-60B7-4C05-A1CD-CA4375FA30E6}"/>
-    <dgm:cxn modelId="{08747923-5E88-4E7A-A30B-61B8459DF116}" type="presOf" srcId="{1C625F2A-FE72-45AA-9600-CDAF3F61B844}" destId="{7A88E86B-149A-4960-AD77-2DBB56F1B11C}" srcOrd="0" destOrd="0" presId="urn:microsoft.com/office/officeart/2005/8/layout/hierarchy4"/>
-    <dgm:cxn modelId="{455F1068-F58B-4703-8D8B-D7E18A272B5E}" type="presOf" srcId="{A1DFB07F-AC39-4CB3-B3CA-E389E512B2A4}" destId="{F76C0F11-4C30-4321-A5BC-BEBC6577D681}" srcOrd="0" destOrd="0" presId="urn:microsoft.com/office/officeart/2005/8/layout/hierarchy4"/>
     <dgm:cxn modelId="{E37FDFC4-0AB6-4F7E-BBCD-96B93D604D45}" srcId="{1C625F2A-FE72-45AA-9600-CDAF3F61B844}" destId="{FD9D19D4-0E4C-402E-8A04-EF4DAF2BC48E}" srcOrd="0" destOrd="0" parTransId="{992659D6-BF47-40C6-9DF0-E02AD95CC809}" sibTransId="{0316B9A7-EB9C-422D-A8BA-240FD791F75D}"/>
-    <dgm:cxn modelId="{C86B4287-43B4-49C5-AFEE-BACCC61D4483}" type="presOf" srcId="{FD9D19D4-0E4C-402E-8A04-EF4DAF2BC48E}" destId="{21467B2C-1303-4CEB-8C25-CFB598F88955}" srcOrd="0" destOrd="0" presId="urn:microsoft.com/office/officeart/2005/8/layout/hierarchy4"/>
     <dgm:cxn modelId="{D7A93B3D-10C6-4C3D-97A2-B4C2C732B47F}" type="presParOf" srcId="{F76C0F11-4C30-4321-A5BC-BEBC6577D681}" destId="{BF349F3A-1004-4F44-AD38-8CFEEDC0C3DC}" srcOrd="0" destOrd="0" presId="urn:microsoft.com/office/officeart/2005/8/layout/hierarchy4"/>
     <dgm:cxn modelId="{078E0DCB-D2EA-4115-A9CD-511E70D3AEDC}" type="presParOf" srcId="{BF349F3A-1004-4F44-AD38-8CFEEDC0C3DC}" destId="{7A88E86B-149A-4960-AD77-2DBB56F1B11C}" srcOrd="0" destOrd="0" presId="urn:microsoft.com/office/officeart/2005/8/layout/hierarchy4"/>
     <dgm:cxn modelId="{47C22BF7-3553-43E8-A979-82DC982DCE7A}" type="presParOf" srcId="{BF349F3A-1004-4F44-AD38-8CFEEDC0C3DC}" destId="{444C9A54-DE8D-41A2-851F-2E26972DDF61}" srcOrd="1" destOrd="0" presId="urn:microsoft.com/office/officeart/2005/8/layout/hierarchy4"/>
@@ -5643,7 +5601,7 @@
   <dgm:whole/>
   <dgm:extLst>
     <a:ext uri="http://schemas.microsoft.com/office/drawing/2008/diagram">
-      <dsp:dataModelExt xmlns:dsp="http://schemas.microsoft.com/office/drawing/2008/diagram" relId="rId9" minVer="http://schemas.openxmlformats.org/drawingml/2006/diagram"/>
+      <dsp:dataModelExt xmlns:dsp="http://schemas.microsoft.com/office/drawing/2008/diagram" xmlns="" relId="rId9" minVer="http://schemas.openxmlformats.org/drawingml/2006/diagram"/>
     </a:ext>
   </dgm:extLst>
 </dgm:dataModel>
@@ -5871,12 +5829,12 @@
     </dgm:pt>
   </dgm:ptLst>
   <dgm:cxnLst>
+    <dgm:cxn modelId="{0E28C955-A2F7-4B72-8ACC-74BF6C74051C}" srcId="{34A19C89-BCFD-4CB9-B68A-93AC208C27C9}" destId="{458F19B8-BF5C-469C-ADC5-E0521236523B}" srcOrd="1" destOrd="0" parTransId="{F086A113-B829-469E-BF3D-F58B2107789D}" sibTransId="{469B9042-0577-4102-B005-0E2703A34F24}"/>
+    <dgm:cxn modelId="{7B5B1928-4665-4353-B5B6-63950F9E2C93}" srcId="{34A19C89-BCFD-4CB9-B68A-93AC208C27C9}" destId="{CE41B67D-61B1-4804-9860-440752F7E5CF}" srcOrd="0" destOrd="0" parTransId="{0EB73162-11B4-42DA-BBE2-B8239964FA90}" sibTransId="{3A48794A-1B9E-49A0-9E1B-049406638D94}"/>
+    <dgm:cxn modelId="{800173F2-AD5F-4DB0-9735-99AD05D5627F}" type="presOf" srcId="{34A19C89-BCFD-4CB9-B68A-93AC208C27C9}" destId="{0FBB877D-B78D-47F7-92F6-75F96A56B468}" srcOrd="0" destOrd="0" presId="urn:microsoft.com/office/officeart/2005/8/layout/pyramid2"/>
+    <dgm:cxn modelId="{223B03E2-6B64-40E1-BF7A-CD3193409F8D}" type="presOf" srcId="{CE41B67D-61B1-4804-9860-440752F7E5CF}" destId="{DB2B4006-310A-4229-9C24-7B1582A56690}" srcOrd="0" destOrd="0" presId="urn:microsoft.com/office/officeart/2005/8/layout/pyramid2"/>
+    <dgm:cxn modelId="{20507998-9710-4F67-BCBD-6D4D5C948F86}" type="presOf" srcId="{458F19B8-BF5C-469C-ADC5-E0521236523B}" destId="{2DA0A7AD-E180-4265-A092-5FFE4819E2D5}" srcOrd="0" destOrd="0" presId="urn:microsoft.com/office/officeart/2005/8/layout/pyramid2"/>
     <dgm:cxn modelId="{8D9E9A44-09AF-4A01-8EEC-AB9B45E2AB38}" type="presOf" srcId="{97F17859-4C9B-4C87-BFA7-8ACD69F2994A}" destId="{C76BA95A-D8CD-4B0E-8B33-DE33A06D4E07}" srcOrd="0" destOrd="0" presId="urn:microsoft.com/office/officeart/2005/8/layout/pyramid2"/>
-    <dgm:cxn modelId="{7B5B1928-4665-4353-B5B6-63950F9E2C93}" srcId="{34A19C89-BCFD-4CB9-B68A-93AC208C27C9}" destId="{CE41B67D-61B1-4804-9860-440752F7E5CF}" srcOrd="0" destOrd="0" parTransId="{0EB73162-11B4-42DA-BBE2-B8239964FA90}" sibTransId="{3A48794A-1B9E-49A0-9E1B-049406638D94}"/>
-    <dgm:cxn modelId="{20507998-9710-4F67-BCBD-6D4D5C948F86}" type="presOf" srcId="{458F19B8-BF5C-469C-ADC5-E0521236523B}" destId="{2DA0A7AD-E180-4265-A092-5FFE4819E2D5}" srcOrd="0" destOrd="0" presId="urn:microsoft.com/office/officeart/2005/8/layout/pyramid2"/>
-    <dgm:cxn modelId="{0E28C955-A2F7-4B72-8ACC-74BF6C74051C}" srcId="{34A19C89-BCFD-4CB9-B68A-93AC208C27C9}" destId="{458F19B8-BF5C-469C-ADC5-E0521236523B}" srcOrd="1" destOrd="0" parTransId="{F086A113-B829-469E-BF3D-F58B2107789D}" sibTransId="{469B9042-0577-4102-B005-0E2703A34F24}"/>
-    <dgm:cxn modelId="{223B03E2-6B64-40E1-BF7A-CD3193409F8D}" type="presOf" srcId="{CE41B67D-61B1-4804-9860-440752F7E5CF}" destId="{DB2B4006-310A-4229-9C24-7B1582A56690}" srcOrd="0" destOrd="0" presId="urn:microsoft.com/office/officeart/2005/8/layout/pyramid2"/>
-    <dgm:cxn modelId="{800173F2-AD5F-4DB0-9735-99AD05D5627F}" type="presOf" srcId="{34A19C89-BCFD-4CB9-B68A-93AC208C27C9}" destId="{0FBB877D-B78D-47F7-92F6-75F96A56B468}" srcOrd="0" destOrd="0" presId="urn:microsoft.com/office/officeart/2005/8/layout/pyramid2"/>
     <dgm:cxn modelId="{C653CB8D-05E5-411A-8905-B56CF855821A}" srcId="{34A19C89-BCFD-4CB9-B68A-93AC208C27C9}" destId="{97F17859-4C9B-4C87-BFA7-8ACD69F2994A}" srcOrd="2" destOrd="0" parTransId="{033CB4D1-2A68-4EA5-8B2E-E693B1C735A3}" sibTransId="{DBFF7CA2-3A44-4658-B89D-08BD180B6920}"/>
     <dgm:cxn modelId="{25F56A73-1F6D-491A-A25F-F6457020C4FE}" type="presParOf" srcId="{0FBB877D-B78D-47F7-92F6-75F96A56B468}" destId="{AB82A649-583F-4229-AB98-8BB80644F02D}" srcOrd="0" destOrd="0" presId="urn:microsoft.com/office/officeart/2005/8/layout/pyramid2"/>
     <dgm:cxn modelId="{8A4DB902-AE80-47AD-9C65-F9339E16B8A6}" type="presParOf" srcId="{0FBB877D-B78D-47F7-92F6-75F96A56B468}" destId="{F081B069-C6AB-48D7-856E-1C35F84927FC}" srcOrd="1" destOrd="0" presId="urn:microsoft.com/office/officeart/2005/8/layout/pyramid2"/>
@@ -5891,14 +5849,14 @@
   <dgm:whole/>
   <dgm:extLst>
     <a:ext uri="http://schemas.microsoft.com/office/drawing/2008/diagram">
-      <dsp:dataModelExt xmlns:dsp="http://schemas.microsoft.com/office/drawing/2008/diagram" relId="rId10" minVer="http://schemas.openxmlformats.org/drawingml/2006/diagram"/>
+      <dsp:dataModelExt xmlns:dsp="http://schemas.microsoft.com/office/drawing/2008/diagram" xmlns="" relId="rId10" minVer="http://schemas.openxmlformats.org/drawingml/2006/diagram"/>
     </a:ext>
   </dgm:extLst>
 </dgm:dataModel>
 </file>
 
 <file path=ppt/diagrams/drawing1.xml><?xml version="1.0" encoding="utf-8"?>
-<dsp:drawing xmlns:dgm="http://schemas.openxmlformats.org/drawingml/2006/diagram" xmlns:dsp="http://schemas.microsoft.com/office/drawing/2008/diagram" xmlns:a="http://schemas.openxmlformats.org/drawingml/2006/main">
+<dsp:drawing xmlns:dgm="http://schemas.openxmlformats.org/drawingml/2006/diagram" xmlns:a="http://schemas.openxmlformats.org/drawingml/2006/main" xmlns:dsp="http://schemas.microsoft.com/office/drawing/2008/diagram">
   <dsp:spTree>
     <dsp:nvGrpSpPr>
       <dsp:cNvPr id="0" name=""/>
@@ -6211,11 +6169,7 @@
           </a:r>
           <a:r>
             <a:rPr lang="en-US" sz="2200" kern="1200" dirty="0" smtClean="0"/>
-            <a:t> </a:t>
-          </a:r>
-          <a:r>
-            <a:rPr lang="en-US" sz="2200" kern="1200" dirty="0" smtClean="0"/>
-            <a:t>de </a:t>
+            <a:t> de </a:t>
           </a:r>
           <a:r>
             <a:rPr lang="en-US" sz="2200" kern="1200" dirty="0" err="1" smtClean="0"/>
@@ -7070,7 +7024,7 @@
 </file>
 
 <file path=ppt/diagrams/drawing2.xml><?xml version="1.0" encoding="utf-8"?>
-<dsp:drawing xmlns:dgm="http://schemas.openxmlformats.org/drawingml/2006/diagram" xmlns:dsp="http://schemas.microsoft.com/office/drawing/2008/diagram" xmlns:a="http://schemas.openxmlformats.org/drawingml/2006/main">
+<dsp:drawing xmlns:dgm="http://schemas.openxmlformats.org/drawingml/2006/diagram" xmlns:a="http://schemas.openxmlformats.org/drawingml/2006/main" xmlns:dsp="http://schemas.microsoft.com/office/drawing/2008/diagram">
   <dsp:spTree>
     <dsp:nvGrpSpPr>
       <dsp:cNvPr id="0" name=""/>
@@ -7487,11 +7441,7 @@
           </a:pPr>
           <a:r>
             <a:rPr lang="es-PE" sz="1000" kern="1200" dirty="0" smtClean="0"/>
-            <a:t>Carlos </a:t>
-          </a:r>
-          <a:r>
-            <a:rPr lang="es-PE" sz="1000" kern="1200" dirty="0" smtClean="0"/>
-            <a:t>Raymundo</a:t>
+            <a:t>Carlos Raymundo</a:t>
           </a:r>
         </a:p>
         <a:p>
@@ -8493,7 +8443,7 @@
 </file>
 
 <file path=ppt/diagrams/drawing3.xml><?xml version="1.0" encoding="utf-8"?>
-<dsp:drawing xmlns:dgm="http://schemas.openxmlformats.org/drawingml/2006/diagram" xmlns:dsp="http://schemas.microsoft.com/office/drawing/2008/diagram" xmlns:a="http://schemas.openxmlformats.org/drawingml/2006/main">
+<dsp:drawing xmlns:dgm="http://schemas.openxmlformats.org/drawingml/2006/diagram" xmlns:a="http://schemas.openxmlformats.org/drawingml/2006/main" xmlns:dsp="http://schemas.microsoft.com/office/drawing/2008/diagram">
   <dsp:spTree>
     <dsp:nvGrpSpPr>
       <dsp:cNvPr id="0" name=""/>
@@ -8608,8 +8558,8 @@
         </a:p>
       </dsp:txBody>
       <dsp:txXfrm>
-        <a:off x="1404604" y="62524"/>
-        <a:ext cx="4967655" cy="1975431"/>
+        <a:off x="1343145" y="1065"/>
+        <a:ext cx="5090573" cy="2098349"/>
       </dsp:txXfrm>
     </dsp:sp>
     <dsp:sp modelId="{21467B2C-1303-4CEB-8C25-CFB598F88955}">
@@ -8718,8 +8668,8 @@
         </a:p>
       </dsp:txBody>
       <dsp:txXfrm>
-        <a:off x="68776" y="2380171"/>
-        <a:ext cx="2321089" cy="2120837"/>
+        <a:off x="2794" y="2314189"/>
+        <a:ext cx="2453053" cy="2252801"/>
       </dsp:txXfrm>
     </dsp:sp>
     <dsp:sp modelId="{EE723D86-4C37-4804-B40B-3E76095C48F1}">
@@ -8824,8 +8774,8 @@
         </a:p>
       </dsp:txBody>
       <dsp:txXfrm>
-        <a:off x="2727887" y="2380171"/>
-        <a:ext cx="2321089" cy="2120837"/>
+        <a:off x="2661905" y="2314189"/>
+        <a:ext cx="2453053" cy="2252801"/>
       </dsp:txXfrm>
     </dsp:sp>
     <dsp:sp modelId="{97F8B434-2F28-4662-B6C2-14B425398A98}">
@@ -8930,8 +8880,8 @@
         </a:p>
       </dsp:txBody>
       <dsp:txXfrm>
-        <a:off x="5386997" y="2380171"/>
-        <a:ext cx="2321089" cy="2120837"/>
+        <a:off x="5321015" y="2314189"/>
+        <a:ext cx="2453053" cy="2252801"/>
       </dsp:txXfrm>
     </dsp:sp>
   </dsp:spTree>
@@ -8939,7 +8889,7 @@
 </file>
 
 <file path=ppt/diagrams/drawing4.xml><?xml version="1.0" encoding="utf-8"?>
-<dsp:drawing xmlns:dgm="http://schemas.openxmlformats.org/drawingml/2006/diagram" xmlns:dsp="http://schemas.microsoft.com/office/drawing/2008/diagram" xmlns:a="http://schemas.openxmlformats.org/drawingml/2006/main">
+<dsp:drawing xmlns:dgm="http://schemas.openxmlformats.org/drawingml/2006/diagram" xmlns:a="http://schemas.openxmlformats.org/drawingml/2006/main" xmlns:dsp="http://schemas.microsoft.com/office/drawing/2008/diagram">
   <dsp:spTree>
     <dsp:nvGrpSpPr>
       <dsp:cNvPr id="0" name=""/>
@@ -8954,7 +8904,7 @@
       <dsp:spPr>
         <a:xfrm>
           <a:off x="1407946" y="0"/>
-          <a:ext cx="3929582" cy="3472160"/>
+          <a:ext cx="3929582" cy="3472159"/>
         </a:xfrm>
         <a:prstGeom prst="triangle">
           <a:avLst/>
@@ -9065,8 +9015,8 @@
         </a:p>
       </dsp:txBody>
       <dsp:txXfrm>
-        <a:off x="1415952" y="469838"/>
-        <a:ext cx="3902602" cy="741679"/>
+        <a:off x="1375829" y="429715"/>
+        <a:ext cx="3982848" cy="821925"/>
       </dsp:txXfrm>
     </dsp:sp>
     <dsp:sp modelId="{2DA0A7AD-E180-4265-A092-5FFE4819E2D5}">
@@ -9141,8 +9091,8 @@
         </a:p>
       </dsp:txBody>
       <dsp:txXfrm>
-        <a:off x="1415963" y="1456737"/>
-        <a:ext cx="3916121" cy="741679"/>
+        <a:off x="1375840" y="1416614"/>
+        <a:ext cx="3996367" cy="821925"/>
       </dsp:txXfrm>
     </dsp:sp>
     <dsp:sp modelId="{C76BA95A-D8CD-4B0E-8B33-DE33A06D4E07}">
@@ -9217,8 +9167,8 @@
         </a:p>
       </dsp:txBody>
       <dsp:txXfrm>
-        <a:off x="1415952" y="2443631"/>
-        <a:ext cx="3922869" cy="741679"/>
+        <a:off x="1375829" y="2403508"/>
+        <a:ext cx="4003115" cy="821925"/>
       </dsp:txXfrm>
     </dsp:sp>
   </dsp:spTree>
@@ -16725,7 +16675,7 @@
     </p:spTree>
     <p:extLst>
       <p:ext uri="{BB962C8B-B14F-4D97-AF65-F5344CB8AC3E}">
-        <p14:creationId xmlns:p14="http://schemas.microsoft.com/office/powerpoint/2010/main" val="1586905226"/>
+        <p14:creationId xmlns:p14="http://schemas.microsoft.com/office/powerpoint/2010/main" xmlns="" val="1586905226"/>
       </p:ext>
     </p:extLst>
   </p:cSld>
@@ -20593,7 +20543,7 @@
           <p:nvPr>
             <p:extLst>
               <p:ext uri="{D42A27DB-BD31-4B8C-83A1-F6EECF244321}">
-                <p14:modId xmlns:p14="http://schemas.microsoft.com/office/powerpoint/2010/main" val="3808815981"/>
+                <p14:modId xmlns:p14="http://schemas.microsoft.com/office/powerpoint/2010/main" xmlns="" val="3808815981"/>
               </p:ext>
             </p:extLst>
           </p:nvPr>
@@ -20795,7 +20745,7 @@
           <p:nvPr>
             <p:extLst>
               <p:ext uri="{D42A27DB-BD31-4B8C-83A1-F6EECF244321}">
-                <p14:modId xmlns:p14="http://schemas.microsoft.com/office/powerpoint/2010/main" val="3574471357"/>
+                <p14:modId xmlns:p14="http://schemas.microsoft.com/office/powerpoint/2010/main" xmlns="" val="3574471357"/>
               </p:ext>
             </p:extLst>
           </p:nvPr>
@@ -21071,7 +21021,7 @@
           <p:nvPr>
             <p:extLst>
               <p:ext uri="{D42A27DB-BD31-4B8C-83A1-F6EECF244321}">
-                <p14:modId xmlns:p14="http://schemas.microsoft.com/office/powerpoint/2010/main" val="2659068792"/>
+                <p14:modId xmlns:p14="http://schemas.microsoft.com/office/powerpoint/2010/main" xmlns="" val="2659068792"/>
               </p:ext>
             </p:extLst>
           </p:nvPr>
@@ -21300,7 +21250,7 @@
           <p:nvPr>
             <p:extLst>
               <p:ext uri="{D42A27DB-BD31-4B8C-83A1-F6EECF244321}">
-                <p14:modId xmlns:p14="http://schemas.microsoft.com/office/powerpoint/2010/main" val="2832150445"/>
+                <p14:modId xmlns:p14="http://schemas.microsoft.com/office/powerpoint/2010/main" xmlns="" val="2832150445"/>
               </p:ext>
             </p:extLst>
           </p:nvPr>
@@ -22273,13 +22223,13 @@
       </p:sp>
       <p:sp>
         <p:nvSpPr>
-          <p:cNvPr id="28" name="27 CuadroTexto"/>
+          <p:cNvPr id="29" name="28 CuadroTexto"/>
           <p:cNvSpPr txBox="1"/>
           <p:nvPr/>
         </p:nvSpPr>
         <p:spPr>
           <a:xfrm>
-            <a:off x="5421875" y="2425358"/>
+            <a:off x="5436096" y="901998"/>
             <a:ext cx="1053672" cy="510778"/>
           </a:xfrm>
           <a:prstGeom prst="roundRect">
@@ -22300,52 +22250,11 @@
             <a:pPr algn="ctr"/>
             <a:r>
               <a:rPr lang="es-PE" sz="1200" b="1" dirty="0" smtClean="0"/>
-              <a:t>H10 A3</a:t>
+              <a:t>H10 </a:t>
             </a:r>
             <a:r>
-              <a:rPr lang="es-PE" sz="1200" dirty="0" smtClean="0"/>
-              <a:t/>
-            </a:r>
-            <a:br>
-              <a:rPr lang="es-PE" sz="1200" dirty="0" smtClean="0"/>
-            </a:br>
-            <a:r>
-              <a:rPr lang="es-PE" sz="1200" dirty="0" smtClean="0"/>
-              <a:t>03/06/2011</a:t>
-            </a:r>
-          </a:p>
-        </p:txBody>
-      </p:sp>
-      <p:sp>
-        <p:nvSpPr>
-          <p:cNvPr id="29" name="28 CuadroTexto"/>
-          <p:cNvSpPr txBox="1"/>
-          <p:nvPr/>
-        </p:nvSpPr>
-        <p:spPr>
-          <a:xfrm>
-            <a:off x="5724128" y="901998"/>
-            <a:ext cx="1053672" cy="510778"/>
-          </a:xfrm>
-          <a:prstGeom prst="roundRect">
-            <a:avLst/>
-          </a:prstGeom>
-          <a:solidFill>
-            <a:schemeClr val="bg1">
-              <a:lumMod val="95000"/>
-            </a:schemeClr>
-          </a:solidFill>
-        </p:spPr>
-        <p:txBody>
-          <a:bodyPr wrap="square" rtlCol="0">
-            <a:spAutoFit/>
-          </a:bodyPr>
-          <a:lstStyle/>
-          <a:p>
-            <a:pPr algn="ctr"/>
-            <a:r>
               <a:rPr lang="es-PE" sz="1200" b="1" dirty="0" smtClean="0"/>
-              <a:t>H11 QA3</a:t>
+              <a:t>QA3</a:t>
             </a:r>
             <a:r>
               <a:rPr lang="es-PE" sz="1200" dirty="0" smtClean="0"/>
@@ -22369,7 +22278,7 @@
         </p:nvSpPr>
         <p:spPr>
           <a:xfrm>
-            <a:off x="6542664" y="2420888"/>
+            <a:off x="6254632" y="2420888"/>
             <a:ext cx="1053672" cy="510778"/>
           </a:xfrm>
           <a:prstGeom prst="roundRect">
@@ -22390,7 +22299,11 @@
             <a:pPr algn="ctr"/>
             <a:r>
               <a:rPr lang="es-PE" sz="1200" b="1" dirty="0" smtClean="0"/>
-              <a:t>H12 A4</a:t>
+              <a:t>H11 </a:t>
+            </a:r>
+            <a:r>
+              <a:rPr lang="es-PE" sz="1200" b="1" dirty="0" smtClean="0"/>
+              <a:t>A4</a:t>
             </a:r>
             <a:r>
               <a:rPr lang="es-PE" sz="1200" dirty="0" smtClean="0"/>
@@ -22414,7 +22327,7 @@
         </p:nvSpPr>
         <p:spPr>
           <a:xfrm>
-            <a:off x="7524328" y="908720"/>
+            <a:off x="7236296" y="908720"/>
             <a:ext cx="1053672" cy="510778"/>
           </a:xfrm>
           <a:prstGeom prst="roundRect">
@@ -22435,7 +22348,7 @@
             <a:pPr algn="ctr"/>
             <a:r>
               <a:rPr lang="es-PE" sz="1200" b="1" dirty="0" smtClean="0"/>
-              <a:t>H13</a:t>
+              <a:t>H12</a:t>
             </a:r>
             <a:r>
               <a:rPr lang="es-PE" sz="1200" dirty="0" smtClean="0"/>
@@ -22459,7 +22372,7 @@
         </p:nvSpPr>
         <p:spPr>
           <a:xfrm>
-            <a:off x="7740352" y="2420888"/>
+            <a:off x="7452320" y="2420888"/>
             <a:ext cx="1053672" cy="510778"/>
           </a:xfrm>
           <a:prstGeom prst="roundRect">
@@ -22479,8 +22392,8 @@
           <a:p>
             <a:pPr algn="ctr"/>
             <a:r>
-              <a:rPr lang="es-PE" sz="1200" b="1" dirty="0" smtClean="0"/>
-              <a:t>H14</a:t>
+              <a:rPr lang="es-PE" sz="1200" b="1" smtClean="0"/>
+              <a:t>H13</a:t>
             </a:r>
             <a:r>
               <a:rPr lang="es-PE" sz="1200" dirty="0" smtClean="0"/>
@@ -22624,7 +22537,7 @@
         </p:nvCxnSpPr>
         <p:spPr>
           <a:xfrm>
-            <a:off x="6334124" y="1412776"/>
+            <a:off x="6046092" y="1412776"/>
             <a:ext cx="0" cy="288032"/>
           </a:xfrm>
           <a:prstGeom prst="line">
@@ -22654,7 +22567,7 @@
         </p:nvCxnSpPr>
         <p:spPr>
           <a:xfrm>
-            <a:off x="7857920" y="1412776"/>
+            <a:off x="7569888" y="1412776"/>
             <a:ext cx="0" cy="288032"/>
           </a:xfrm>
           <a:prstGeom prst="line">
@@ -22684,7 +22597,7 @@
         </p:nvCxnSpPr>
         <p:spPr>
           <a:xfrm>
-            <a:off x="8181956" y="2060848"/>
+            <a:off x="7893924" y="2060848"/>
             <a:ext cx="0" cy="360040"/>
           </a:xfrm>
           <a:prstGeom prst="line">
@@ -22714,37 +22627,7 @@
         </p:nvCxnSpPr>
         <p:spPr>
           <a:xfrm>
-            <a:off x="6995028" y="2060848"/>
-            <a:ext cx="0" cy="360040"/>
-          </a:xfrm>
-          <a:prstGeom prst="line">
-            <a:avLst/>
-          </a:prstGeom>
-        </p:spPr>
-        <p:style>
-          <a:lnRef idx="1">
-            <a:schemeClr val="accent1"/>
-          </a:lnRef>
-          <a:fillRef idx="0">
-            <a:schemeClr val="accent1"/>
-          </a:fillRef>
-          <a:effectRef idx="0">
-            <a:schemeClr val="accent1"/>
-          </a:effectRef>
-          <a:fontRef idx="minor">
-            <a:schemeClr val="tx1"/>
-          </a:fontRef>
-        </p:style>
-      </p:cxnSp>
-      <p:cxnSp>
-        <p:nvCxnSpPr>
-          <p:cNvPr id="49" name="48 Conector recto"/>
-          <p:cNvCxnSpPr/>
-          <p:nvPr/>
-        </p:nvCxnSpPr>
-        <p:spPr>
-          <a:xfrm>
-            <a:off x="5940152" y="2060848"/>
+            <a:off x="6706996" y="2060848"/>
             <a:ext cx="0" cy="360040"/>
           </a:xfrm>
           <a:prstGeom prst="line">
@@ -22835,7 +22718,7 @@
           <p:nvPr>
             <p:extLst>
               <p:ext uri="{D42A27DB-BD31-4B8C-83A1-F6EECF244321}">
-                <p14:modId xmlns:p14="http://schemas.microsoft.com/office/powerpoint/2010/main" val="2133029002"/>
+                <p14:modId xmlns:p14="http://schemas.microsoft.com/office/powerpoint/2010/main" xmlns="" val="2133029002"/>
               </p:ext>
             </p:extLst>
           </p:nvPr>
@@ -23406,14 +23289,14 @@
           <p:nvPr>
             <p:extLst>
               <p:ext uri="{D42A27DB-BD31-4B8C-83A1-F6EECF244321}">
-                <p14:modId xmlns:p14="http://schemas.microsoft.com/office/powerpoint/2010/main" val="2044608021"/>
+                <p14:modId xmlns:p14="http://schemas.microsoft.com/office/powerpoint/2010/main" xmlns="" val="2044608021"/>
               </p:ext>
             </p:extLst>
           </p:nvPr>
         </p:nvGraphicFramePr>
         <p:xfrm>
           <a:off x="4788024" y="3691702"/>
-          <a:ext cx="3744416" cy="2545610"/>
+          <a:ext cx="3744416" cy="2174770"/>
         </p:xfrm>
         <a:graphic>
           <a:graphicData uri="http://schemas.openxmlformats.org/drawingml/2006/table">
@@ -23616,79 +23499,6 @@
                             </a:schemeClr>
                           </a:solidFill>
                         </a:rPr>
-                        <a:t>Aprobación</a:t>
-                      </a:r>
-                      <a:r>
-                        <a:rPr lang="es-PE" sz="1200" b="0" baseline="0" dirty="0" smtClean="0">
-                          <a:solidFill>
-                            <a:schemeClr val="tx1">
-                              <a:lumMod val="50000"/>
-                              <a:lumOff val="50000"/>
-                            </a:schemeClr>
-                          </a:solidFill>
-                        </a:rPr>
-                        <a:t> del avance</a:t>
-                      </a:r>
-                      <a:endParaRPr lang="es-PE" sz="1200" b="0" dirty="0">
-                        <a:solidFill>
-                          <a:schemeClr val="tx1">
-                            <a:lumMod val="50000"/>
-                            <a:lumOff val="50000"/>
-                          </a:schemeClr>
-                        </a:solidFill>
-                      </a:endParaRPr>
-                    </a:p>
-                  </a:txBody>
-                  <a:tcPr>
-                    <a:noFill/>
-                  </a:tcPr>
-                </a:tc>
-              </a:tr>
-              <a:tr h="370840">
-                <a:tc>
-                  <a:txBody>
-                    <a:bodyPr/>
-                    <a:lstStyle/>
-                    <a:p>
-                      <a:r>
-                        <a:rPr lang="es-PE" sz="1200" b="1" dirty="0" smtClean="0">
-                          <a:solidFill>
-                            <a:schemeClr val="tx1">
-                              <a:lumMod val="50000"/>
-                              <a:lumOff val="50000"/>
-                            </a:schemeClr>
-                          </a:solidFill>
-                        </a:rPr>
-                        <a:t>H11</a:t>
-                      </a:r>
-                      <a:endParaRPr lang="es-PE" sz="1200" b="1" dirty="0">
-                        <a:solidFill>
-                          <a:schemeClr val="tx1">
-                            <a:lumMod val="50000"/>
-                            <a:lumOff val="50000"/>
-                          </a:schemeClr>
-                        </a:solidFill>
-                      </a:endParaRPr>
-                    </a:p>
-                  </a:txBody>
-                  <a:tcPr>
-                    <a:noFill/>
-                  </a:tcPr>
-                </a:tc>
-                <a:tc>
-                  <a:txBody>
-                    <a:bodyPr/>
-                    <a:lstStyle/>
-                    <a:p>
-                      <a:r>
-                        <a:rPr lang="es-PE" sz="1200" b="0" dirty="0" smtClean="0">
-                          <a:solidFill>
-                            <a:schemeClr val="tx1">
-                              <a:lumMod val="50000"/>
-                              <a:lumOff val="50000"/>
-                            </a:schemeClr>
-                          </a:solidFill>
-                        </a:rPr>
                         <a:t>Tercera entrega</a:t>
                       </a:r>
                       <a:r>
@@ -23732,7 +23542,7 @@
                             </a:schemeClr>
                           </a:solidFill>
                         </a:rPr>
-                        <a:t>H12</a:t>
+                        <a:t>H11</a:t>
                       </a:r>
                       <a:endParaRPr lang="es-PE" sz="1200" b="1" dirty="0">
                         <a:solidFill>
@@ -23822,7 +23632,7 @@
                             </a:schemeClr>
                           </a:solidFill>
                         </a:rPr>
-                        <a:t>H13</a:t>
+                        <a:t>H12</a:t>
                       </a:r>
                       <a:endParaRPr lang="es-PE" sz="1200" b="1" dirty="0">
                         <a:solidFill>
@@ -23884,7 +23694,7 @@
                             </a:schemeClr>
                           </a:solidFill>
                         </a:rPr>
-                        <a:t>H14</a:t>
+                        <a:t>H13</a:t>
                       </a:r>
                       <a:endParaRPr lang="es-PE" sz="1200" b="1" dirty="0">
                         <a:solidFill>
@@ -24293,51 +24103,13 @@
       </p:sp>
       <p:sp>
         <p:nvSpPr>
-          <p:cNvPr id="68" name="67 Elipse"/>
-          <p:cNvSpPr/>
-          <p:nvPr/>
-        </p:nvSpPr>
-        <p:spPr>
-          <a:xfrm>
-            <a:off x="5840699" y="1763884"/>
-            <a:ext cx="216024" cy="216024"/>
-          </a:xfrm>
-          <a:prstGeom prst="ellipse">
-            <a:avLst/>
-          </a:prstGeom>
-        </p:spPr>
-        <p:style>
-          <a:lnRef idx="1">
-            <a:schemeClr val="dk1"/>
-          </a:lnRef>
-          <a:fillRef idx="2">
-            <a:schemeClr val="dk1"/>
-          </a:fillRef>
-          <a:effectRef idx="1">
-            <a:schemeClr val="dk1"/>
-          </a:effectRef>
-          <a:fontRef idx="minor">
-            <a:schemeClr val="dk1"/>
-          </a:fontRef>
-        </p:style>
-        <p:txBody>
-          <a:bodyPr rtlCol="0" anchor="ctr"/>
-          <a:lstStyle/>
-          <a:p>
-            <a:pPr algn="ctr"/>
-            <a:endParaRPr lang="es-PE"/>
-          </a:p>
-        </p:txBody>
-      </p:sp>
-      <p:sp>
-        <p:nvSpPr>
           <p:cNvPr id="69" name="68 Elipse"/>
           <p:cNvSpPr/>
           <p:nvPr/>
         </p:nvSpPr>
         <p:spPr>
           <a:xfrm>
-            <a:off x="6214960" y="1763884"/>
+            <a:off x="5926928" y="1763884"/>
             <a:ext cx="216024" cy="216024"/>
           </a:xfrm>
           <a:prstGeom prst="ellipse">
@@ -24375,7 +24147,7 @@
         </p:nvSpPr>
         <p:spPr>
           <a:xfrm>
-            <a:off x="6887016" y="1763884"/>
+            <a:off x="6598984" y="1763884"/>
             <a:ext cx="216024" cy="216024"/>
           </a:xfrm>
           <a:prstGeom prst="ellipse">
@@ -24413,7 +24185,7 @@
         </p:nvSpPr>
         <p:spPr>
           <a:xfrm>
-            <a:off x="7713904" y="1763884"/>
+            <a:off x="7425872" y="1763884"/>
             <a:ext cx="216024" cy="216024"/>
           </a:xfrm>
           <a:prstGeom prst="ellipse">
@@ -24451,7 +24223,7 @@
         </p:nvSpPr>
         <p:spPr>
           <a:xfrm>
-            <a:off x="8073944" y="1772816"/>
+            <a:off x="7785912" y="1772816"/>
             <a:ext cx="216024" cy="216024"/>
           </a:xfrm>
           <a:prstGeom prst="ellipse">
@@ -25871,7 +25643,7 @@
           <p:nvPr>
             <p:extLst>
               <p:ext uri="{D42A27DB-BD31-4B8C-83A1-F6EECF244321}">
-                <p14:modId xmlns:p14="http://schemas.microsoft.com/office/powerpoint/2010/main" val="4126859868"/>
+                <p14:modId xmlns:p14="http://schemas.microsoft.com/office/powerpoint/2010/main" xmlns="" val="4126859868"/>
               </p:ext>
             </p:extLst>
           </p:nvPr>
@@ -26325,7 +26097,7 @@
           <p:nvPr>
             <p:extLst>
               <p:ext uri="{D42A27DB-BD31-4B8C-83A1-F6EECF244321}">
-                <p14:modId xmlns:p14="http://schemas.microsoft.com/office/powerpoint/2010/main" val="1503148034"/>
+                <p14:modId xmlns:p14="http://schemas.microsoft.com/office/powerpoint/2010/main" xmlns="" val="1503148034"/>
               </p:ext>
             </p:extLst>
           </p:nvPr>
@@ -27384,7 +27156,7 @@
     </p:spTree>
     <p:extLst>
       <p:ext uri="{BB962C8B-B14F-4D97-AF65-F5344CB8AC3E}">
-        <p14:creationId xmlns:p14="http://schemas.microsoft.com/office/powerpoint/2010/main" val="204598419"/>
+        <p14:creationId xmlns:p14="http://schemas.microsoft.com/office/powerpoint/2010/main" xmlns="" val="204598419"/>
       </p:ext>
     </p:extLst>
   </p:cSld>
@@ -27670,7 +27442,7 @@
           <p:nvPr>
             <p:extLst>
               <p:ext uri="{D42A27DB-BD31-4B8C-83A1-F6EECF244321}">
-                <p14:modId xmlns:p14="http://schemas.microsoft.com/office/powerpoint/2010/main" val="1619042538"/>
+                <p14:modId xmlns:p14="http://schemas.microsoft.com/office/powerpoint/2010/main" xmlns="" val="1619042538"/>
               </p:ext>
             </p:extLst>
           </p:nvPr>
@@ -27694,7 +27466,7 @@
           <p:nvPr>
             <p:extLst>
               <p:ext uri="{D42A27DB-BD31-4B8C-83A1-F6EECF244321}">
-                <p14:modId xmlns:p14="http://schemas.microsoft.com/office/powerpoint/2010/main" val="1577869961"/>
+                <p14:modId xmlns:p14="http://schemas.microsoft.com/office/powerpoint/2010/main" xmlns="" val="1577869961"/>
               </p:ext>
             </p:extLst>
           </p:nvPr>
@@ -28209,7 +27981,7 @@
           <p:nvPr>
             <p:extLst>
               <p:ext uri="{D42A27DB-BD31-4B8C-83A1-F6EECF244321}">
-                <p14:modId xmlns:p14="http://schemas.microsoft.com/office/powerpoint/2010/main" val="1103115174"/>
+                <p14:modId xmlns:p14="http://schemas.microsoft.com/office/powerpoint/2010/main" xmlns="" val="1103115174"/>
               </p:ext>
             </p:extLst>
           </p:nvPr>
@@ -28866,7 +28638,7 @@
     </p:spTree>
     <p:extLst>
       <p:ext uri="{BB962C8B-B14F-4D97-AF65-F5344CB8AC3E}">
-        <p14:creationId xmlns:p14="http://schemas.microsoft.com/office/powerpoint/2010/main" val="1734571722"/>
+        <p14:creationId xmlns:p14="http://schemas.microsoft.com/office/powerpoint/2010/main" xmlns="" val="1734571722"/>
       </p:ext>
     </p:extLst>
   </p:cSld>
@@ -29356,7 +29128,7 @@
           <p:nvPr>
             <p:extLst>
               <p:ext uri="{D42A27DB-BD31-4B8C-83A1-F6EECF244321}">
-                <p14:modId xmlns:p14="http://schemas.microsoft.com/office/powerpoint/2010/main" val="2493666067"/>
+                <p14:modId xmlns:p14="http://schemas.microsoft.com/office/powerpoint/2010/main" xmlns="" val="2493666067"/>
               </p:ext>
             </p:extLst>
           </p:nvPr>
@@ -30156,7 +29928,7 @@
           <a:blip r:embed="rId7" cstate="print">
             <a:extLst>
               <a:ext uri="{28A0092B-C50C-407E-A947-70E740481C1C}">
-                <a14:useLocalDpi xmlns:a14="http://schemas.microsoft.com/office/drawing/2010/main" val="0"/>
+                <a14:useLocalDpi xmlns:a14="http://schemas.microsoft.com/office/drawing/2010/main" xmlns="" val="0"/>
               </a:ext>
             </a:extLst>
           </a:blip>
@@ -30180,14 +29952,14 @@
           <a:effectLst/>
           <a:extLst>
             <a:ext uri="{909E8E84-426E-40DD-AFC4-6F175D3DCCD1}">
-              <a14:hiddenFill xmlns:a14="http://schemas.microsoft.com/office/drawing/2010/main">
+              <a14:hiddenFill xmlns:a14="http://schemas.microsoft.com/office/drawing/2010/main" xmlns="">
                 <a:solidFill>
                   <a:schemeClr val="accent1"/>
                 </a:solidFill>
               </a14:hiddenFill>
             </a:ext>
             <a:ext uri="{91240B29-F687-4F45-9708-019B960494DF}">
-              <a14:hiddenLine xmlns:a14="http://schemas.microsoft.com/office/drawing/2010/main" w="9525">
+              <a14:hiddenLine xmlns:a14="http://schemas.microsoft.com/office/drawing/2010/main" xmlns="" w="9525">
                 <a:solidFill>
                   <a:schemeClr val="tx1"/>
                 </a:solidFill>
@@ -30197,7 +29969,7 @@
               </a14:hiddenLine>
             </a:ext>
             <a:ext uri="{AF507438-7753-43E0-B8FC-AC1667EBCBE1}">
-              <a14:hiddenEffects xmlns:a14="http://schemas.microsoft.com/office/drawing/2010/main">
+              <a14:hiddenEffects xmlns:a14="http://schemas.microsoft.com/office/drawing/2010/main" xmlns="">
                 <a:effectLst>
                   <a:outerShdw dist="35921" dir="2700000" algn="ctr" rotWithShape="0">
                     <a:schemeClr val="bg2"/>
@@ -30923,7 +30695,7 @@
           <a:blip r:embed="rId5" cstate="print">
             <a:extLst>
               <a:ext uri="{28A0092B-C50C-407E-A947-70E740481C1C}">
-                <a14:useLocalDpi xmlns:a14="http://schemas.microsoft.com/office/drawing/2010/main" val="0"/>
+                <a14:useLocalDpi xmlns:a14="http://schemas.microsoft.com/office/drawing/2010/main" xmlns="" val="0"/>
               </a:ext>
             </a:extLst>
           </a:blip>
@@ -30953,7 +30725,7 @@
           <a:blip r:embed="rId6" cstate="print">
             <a:extLst>
               <a:ext uri="{28A0092B-C50C-407E-A947-70E740481C1C}">
-                <a14:useLocalDpi xmlns:a14="http://schemas.microsoft.com/office/drawing/2010/main" val="0"/>
+                <a14:useLocalDpi xmlns:a14="http://schemas.microsoft.com/office/drawing/2010/main" xmlns="" val="0"/>
               </a:ext>
             </a:extLst>
           </a:blip>
@@ -30983,7 +30755,7 @@
           <a:blip r:embed="rId7" cstate="print">
             <a:extLst>
               <a:ext uri="{28A0092B-C50C-407E-A947-70E740481C1C}">
-                <a14:useLocalDpi xmlns:a14="http://schemas.microsoft.com/office/drawing/2010/main" val="0"/>
+                <a14:useLocalDpi xmlns:a14="http://schemas.microsoft.com/office/drawing/2010/main" xmlns="" val="0"/>
               </a:ext>
             </a:extLst>
           </a:blip>
@@ -31169,13 +30941,8 @@
           <a:p>
             <a:r>
               <a:rPr lang="es-PE" sz="2400" b="1" dirty="0" smtClean="0"/>
-              <a:t>2. Gestión de </a:t>
+              <a:t>2. Gestión de Logística</a:t>
             </a:r>
-            <a:r>
-              <a:rPr lang="es-PE" sz="2400" b="1" dirty="0" smtClean="0"/>
-              <a:t>Logística</a:t>
-            </a:r>
-            <a:endParaRPr lang="es-PE" sz="2400" b="1" dirty="0" smtClean="0"/>
           </a:p>
         </p:txBody>
       </p:sp>
@@ -31715,7 +31482,7 @@
           <p:nvPr>
             <p:extLst>
               <p:ext uri="{D42A27DB-BD31-4B8C-83A1-F6EECF244321}">
-                <p14:modId xmlns:p14="http://schemas.microsoft.com/office/powerpoint/2010/main" val="3606610094"/>
+                <p14:modId xmlns:p14="http://schemas.microsoft.com/office/powerpoint/2010/main" xmlns="" val="3606610094"/>
               </p:ext>
             </p:extLst>
           </p:nvPr>
@@ -32495,7 +32262,7 @@
           <p:nvPr>
             <p:extLst>
               <p:ext uri="{D42A27DB-BD31-4B8C-83A1-F6EECF244321}">
-                <p14:modId xmlns:p14="http://schemas.microsoft.com/office/powerpoint/2010/main" val="2504495998"/>
+                <p14:modId xmlns:p14="http://schemas.microsoft.com/office/powerpoint/2010/main" xmlns="" val="2504495998"/>
               </p:ext>
             </p:extLst>
           </p:nvPr>
@@ -32574,7 +32341,7 @@
           <a:blip r:embed="rId11" cstate="print">
             <a:extLst>
               <a:ext uri="{28A0092B-C50C-407E-A947-70E740481C1C}">
-                <a14:useLocalDpi xmlns:a14="http://schemas.microsoft.com/office/drawing/2010/main" val="0"/>
+                <a14:useLocalDpi xmlns:a14="http://schemas.microsoft.com/office/drawing/2010/main" xmlns="" val="0"/>
               </a:ext>
             </a:extLst>
           </a:blip>
@@ -32594,7 +32361,7 @@
           <a:noFill/>
           <a:extLst>
             <a:ext uri="{909E8E84-426E-40DD-AFC4-6F175D3DCCD1}">
-              <a14:hiddenFill xmlns:a14="http://schemas.microsoft.com/office/drawing/2010/main">
+              <a14:hiddenFill xmlns:a14="http://schemas.microsoft.com/office/drawing/2010/main" xmlns="">
                 <a:solidFill>
                   <a:srgbClr val="FFFFFF"/>
                 </a:solidFill>
@@ -32949,7 +32716,7 @@
           <p:nvPr>
             <p:extLst>
               <p:ext uri="{D42A27DB-BD31-4B8C-83A1-F6EECF244321}">
-                <p14:modId xmlns:p14="http://schemas.microsoft.com/office/powerpoint/2010/main" val="618129391"/>
+                <p14:modId xmlns:p14="http://schemas.microsoft.com/office/powerpoint/2010/main" xmlns="" val="618129391"/>
               </p:ext>
             </p:extLst>
           </p:nvPr>
@@ -33139,7 +32906,7 @@
           <p:nvPr>
             <p:extLst>
               <p:ext uri="{D42A27DB-BD31-4B8C-83A1-F6EECF244321}">
-                <p14:modId xmlns:p14="http://schemas.microsoft.com/office/powerpoint/2010/main" val="1203533569"/>
+                <p14:modId xmlns:p14="http://schemas.microsoft.com/office/powerpoint/2010/main" xmlns="" val="1203533569"/>
               </p:ext>
             </p:extLst>
           </p:nvPr>
@@ -33327,7 +33094,7 @@
           <p:nvPr>
             <p:extLst>
               <p:ext uri="{D42A27DB-BD31-4B8C-83A1-F6EECF244321}">
-                <p14:modId xmlns:p14="http://schemas.microsoft.com/office/powerpoint/2010/main" val="2788610254"/>
+                <p14:modId xmlns:p14="http://schemas.microsoft.com/office/powerpoint/2010/main" xmlns="" val="2788610254"/>
               </p:ext>
             </p:extLst>
           </p:nvPr>
@@ -33624,7 +33391,7 @@
           <p:nvPr>
             <p:extLst>
               <p:ext uri="{D42A27DB-BD31-4B8C-83A1-F6EECF244321}">
-                <p14:modId xmlns:p14="http://schemas.microsoft.com/office/powerpoint/2010/main" val="2112582192"/>
+                <p14:modId xmlns:p14="http://schemas.microsoft.com/office/powerpoint/2010/main" xmlns="" val="2112582192"/>
               </p:ext>
             </p:extLst>
           </p:nvPr>
